--- a/101_assets/Intro.pptx
+++ b/101_assets/Intro.pptx
@@ -5,18 +5,24 @@
     <p:sldMasterId id="2147483960" r:id="rId1"/>
   </p:sldMasterIdLst>
   <p:notesMasterIdLst>
-    <p:notesMasterId r:id="rId8"/>
+    <p:notesMasterId r:id="rId14"/>
   </p:notesMasterIdLst>
   <p:handoutMasterIdLst>
-    <p:handoutMasterId r:id="rId9"/>
+    <p:handoutMasterId r:id="rId15"/>
   </p:handoutMasterIdLst>
   <p:sldIdLst>
     <p:sldId id="322" r:id="rId2"/>
-    <p:sldId id="477" r:id="rId3"/>
-    <p:sldId id="316" r:id="rId4"/>
-    <p:sldId id="476" r:id="rId5"/>
-    <p:sldId id="478" r:id="rId6"/>
-    <p:sldId id="479" r:id="rId7"/>
+    <p:sldId id="486" r:id="rId3"/>
+    <p:sldId id="487" r:id="rId4"/>
+    <p:sldId id="483" r:id="rId5"/>
+    <p:sldId id="488" r:id="rId6"/>
+    <p:sldId id="489" r:id="rId7"/>
+    <p:sldId id="481" r:id="rId8"/>
+    <p:sldId id="482" r:id="rId9"/>
+    <p:sldId id="316" r:id="rId10"/>
+    <p:sldId id="476" r:id="rId11"/>
+    <p:sldId id="478" r:id="rId12"/>
+    <p:sldId id="479" r:id="rId13"/>
   </p:sldIdLst>
   <p:sldSz cx="9144000" cy="6858000" type="screen4x3"/>
   <p:notesSz cx="6858000" cy="9144000"/>
@@ -747,6 +753,90 @@
 </p:notes>
 </file>
 
+<file path=ppt/notesSlides/notesSlide10.xml><?xml version="1.0" encoding="utf-8"?>
+<p:notes xmlns:a="http://schemas.openxmlformats.org/drawingml/2006/main" xmlns:r="http://schemas.openxmlformats.org/officeDocument/2006/relationships" xmlns:p="http://schemas.openxmlformats.org/presentationml/2006/main">
+  <p:cSld>
+    <p:spTree>
+      <p:nvGrpSpPr>
+        <p:cNvPr id="1" name=""/>
+        <p:cNvGrpSpPr/>
+        <p:nvPr/>
+      </p:nvGrpSpPr>
+      <p:grpSpPr>
+        <a:xfrm>
+          <a:off x="0" y="0"/>
+          <a:ext cx="0" cy="0"/>
+          <a:chOff x="0" y="0"/>
+          <a:chExt cx="0" cy="0"/>
+        </a:xfrm>
+      </p:grpSpPr>
+      <p:sp>
+        <p:nvSpPr>
+          <p:cNvPr id="2" name="Slide Image Placeholder 1"/>
+          <p:cNvSpPr>
+            <a:spLocks noGrp="1" noRot="1" noChangeAspect="1"/>
+          </p:cNvSpPr>
+          <p:nvPr>
+            <p:ph type="sldImg"/>
+          </p:nvPr>
+        </p:nvSpPr>
+        <p:spPr/>
+      </p:sp>
+      <p:sp>
+        <p:nvSpPr>
+          <p:cNvPr id="3" name="Notes Placeholder 2"/>
+          <p:cNvSpPr>
+            <a:spLocks noGrp="1"/>
+          </p:cNvSpPr>
+          <p:nvPr>
+            <p:ph type="body" idx="1"/>
+          </p:nvPr>
+        </p:nvSpPr>
+        <p:spPr/>
+        <p:txBody>
+          <a:bodyPr/>
+          <a:lstStyle/>
+          <a:p>
+            <a:endParaRPr lang="en-US" dirty="0"/>
+          </a:p>
+        </p:txBody>
+      </p:sp>
+      <p:sp>
+        <p:nvSpPr>
+          <p:cNvPr id="4" name="Slide Number Placeholder 3"/>
+          <p:cNvSpPr>
+            <a:spLocks noGrp="1"/>
+          </p:cNvSpPr>
+          <p:nvPr>
+            <p:ph type="sldNum" sz="quarter" idx="10"/>
+          </p:nvPr>
+        </p:nvSpPr>
+        <p:spPr/>
+        <p:txBody>
+          <a:bodyPr/>
+          <a:lstStyle/>
+          <a:p>
+            <a:fld id="{5A084C09-802B-AA4D-A149-B4B9A2038697}" type="slidenum">
+              <a:rPr lang="en-US" smtClean="0"/>
+              <a:t>12</a:t>
+            </a:fld>
+            <a:endParaRPr lang="en-US" dirty="0"/>
+          </a:p>
+        </p:txBody>
+      </p:sp>
+    </p:spTree>
+    <p:extLst>
+      <p:ext uri="{BB962C8B-B14F-4D97-AF65-F5344CB8AC3E}">
+        <p14:creationId xmlns:p14="http://schemas.microsoft.com/office/powerpoint/2010/main" val="1189098662"/>
+      </p:ext>
+    </p:extLst>
+  </p:cSld>
+  <p:clrMapOvr>
+    <a:masterClrMapping/>
+  </p:clrMapOvr>
+</p:notes>
+</file>
+
 <file path=ppt/notesSlides/notesSlide2.xml><?xml version="1.0" encoding="utf-8"?>
 <p:notes xmlns:a="http://schemas.openxmlformats.org/drawingml/2006/main" xmlns:r="http://schemas.openxmlformats.org/officeDocument/2006/relationships" xmlns:p="http://schemas.openxmlformats.org/presentationml/2006/main">
   <p:cSld>
@@ -791,37 +881,317 @@
           <a:bodyPr/>
           <a:lstStyle/>
           <a:p>
+            <a:pPr marL="0" marR="0" indent="0" algn="l" defTabSz="457200" rtl="0" eaLnBrk="1" fontAlgn="auto" latinLnBrk="0" hangingPunct="1">
+              <a:lnSpc>
+                <a:spcPct val="100000"/>
+              </a:lnSpc>
+              <a:spcBef>
+                <a:spcPts val="0"/>
+              </a:spcBef>
+              <a:spcAft>
+                <a:spcPts val="0"/>
+              </a:spcAft>
+              <a:buClrTx/>
+              <a:buSzTx/>
+              <a:buFontTx/>
+              <a:buNone/>
+              <a:tabLst/>
+              <a:defRPr/>
+            </a:pPr>
             <a:r>
               <a:rPr lang="en-US" b="1" dirty="0" smtClean="0"/>
-              <a:t>Often the only tool available for studying the biogeography, or spatial patterns,</a:t>
+              <a:t>If you build these models, these</a:t>
             </a:r>
             <a:r>
               <a:rPr lang="en-US" b="1" baseline="0" dirty="0" smtClean="0"/>
-              <a:t> of invasive species is </a:t>
-            </a:r>
-            <a:r>
-              <a:rPr lang="en-US" b="1" baseline="0" dirty="0" err="1" smtClean="0"/>
-              <a:t>correllative</a:t>
+              <a:t> five papers are pretty critical, if not, their just 5 ways of saying this</a:t>
+            </a:r>
+          </a:p>
+          <a:p>
+            <a:pPr marL="0" marR="0" indent="0" algn="l" defTabSz="457200" rtl="0" eaLnBrk="1" fontAlgn="auto" latinLnBrk="0" hangingPunct="1">
+              <a:lnSpc>
+                <a:spcPct val="100000"/>
+              </a:lnSpc>
+              <a:spcBef>
+                <a:spcPts val="0"/>
+              </a:spcBef>
+              <a:spcAft>
+                <a:spcPts val="0"/>
+              </a:spcAft>
+              <a:buClrTx/>
+              <a:buSzTx/>
+              <a:buFontTx/>
+              <a:buNone/>
+              <a:tabLst/>
+              <a:defRPr/>
+            </a:pPr>
+            <a:r>
+              <a:rPr lang="en-US" b="1" dirty="0" smtClean="0"/>
+              <a:t>I’ve done</a:t>
             </a:r>
             <a:r>
               <a:rPr lang="en-US" b="1" baseline="0" dirty="0" smtClean="0"/>
-              <a:t> species </a:t>
-            </a:r>
-            <a:r>
-              <a:rPr lang="en-US" b="1" baseline="0" dirty="0" err="1" smtClean="0"/>
-              <a:t>distibution</a:t>
-            </a:r>
+              <a:t> a lot of work on figure out how to build these models to balance biology with statistics</a:t>
+            </a:r>
+          </a:p>
+          <a:p>
+            <a:pPr marL="0" marR="0" indent="0" algn="l" defTabSz="457200" rtl="0" eaLnBrk="1" fontAlgn="auto" latinLnBrk="0" hangingPunct="1">
+              <a:lnSpc>
+                <a:spcPct val="100000"/>
+              </a:lnSpc>
+              <a:spcBef>
+                <a:spcPts val="0"/>
+              </a:spcBef>
+              <a:spcAft>
+                <a:spcPts val="0"/>
+              </a:spcAft>
+              <a:buClrTx/>
+              <a:buSzTx/>
+              <a:buFontTx/>
+              <a:buNone/>
+              <a:tabLst/>
+              <a:defRPr/>
+            </a:pPr>
             <a:r>
               <a:rPr lang="en-US" b="1" baseline="0" dirty="0" smtClean="0"/>
-              <a:t> models</a:t>
-            </a:r>
-          </a:p>
-          <a:p>
+              <a:t>Spare the details; focus on what I do with these</a:t>
+            </a:r>
+          </a:p>
+          <a:p>
+            <a:pPr marL="0" marR="0" indent="0" algn="l" defTabSz="457200" rtl="0" eaLnBrk="1" fontAlgn="auto" latinLnBrk="0" hangingPunct="1">
+              <a:lnSpc>
+                <a:spcPct val="100000"/>
+              </a:lnSpc>
+              <a:spcBef>
+                <a:spcPts val="0"/>
+              </a:spcBef>
+              <a:spcAft>
+                <a:spcPts val="0"/>
+              </a:spcAft>
+              <a:buClrTx/>
+              <a:buSzTx/>
+              <a:buFontTx/>
+              <a:buNone/>
+              <a:tabLst/>
+              <a:defRPr/>
+            </a:pPr>
             <a:r>
               <a:rPr lang="en-US" b="1" baseline="0" dirty="0" smtClean="0"/>
-              <a:t>But among the many challenges with these types of models</a:t>
+              <a:t>If you’re skeptical about the usefulness of correlative range, I’m even more so</a:t>
             </a:r>
             <a:endParaRPr lang="en-US" b="1" dirty="0" smtClean="0"/>
+          </a:p>
+          <a:p>
+            <a:pPr marL="0" marR="0" indent="0" algn="l" defTabSz="457200" rtl="0" eaLnBrk="1" fontAlgn="auto" latinLnBrk="0" hangingPunct="1">
+              <a:lnSpc>
+                <a:spcPct val="100000"/>
+              </a:lnSpc>
+              <a:spcBef>
+                <a:spcPts val="0"/>
+              </a:spcBef>
+              <a:spcAft>
+                <a:spcPts val="0"/>
+              </a:spcAft>
+              <a:buClrTx/>
+              <a:buSzTx/>
+              <a:buFontTx/>
+              <a:buNone/>
+              <a:tabLst/>
+              <a:defRPr/>
+            </a:pPr>
+            <a:endParaRPr lang="en-US" b="0" dirty="0" smtClean="0"/>
+          </a:p>
+          <a:p>
+            <a:pPr marL="0" marR="0" indent="0" algn="l" defTabSz="457200" rtl="0" eaLnBrk="1" fontAlgn="auto" latinLnBrk="0" hangingPunct="1">
+              <a:lnSpc>
+                <a:spcPct val="100000"/>
+              </a:lnSpc>
+              <a:spcBef>
+                <a:spcPts val="0"/>
+              </a:spcBef>
+              <a:spcAft>
+                <a:spcPts val="0"/>
+              </a:spcAft>
+              <a:buClrTx/>
+              <a:buSzTx/>
+              <a:buFontTx/>
+              <a:buNone/>
+              <a:tabLst/>
+              <a:defRPr/>
+            </a:pPr>
+            <a:r>
+              <a:rPr lang="en-US" b="0" baseline="0" dirty="0" smtClean="0"/>
+              <a:t>Incorporate other data types</a:t>
+            </a:r>
+          </a:p>
+          <a:p>
+            <a:pPr marL="0" marR="0" indent="0" algn="l" defTabSz="457200" rtl="0" eaLnBrk="1" fontAlgn="auto" latinLnBrk="0" hangingPunct="1">
+              <a:lnSpc>
+                <a:spcPct val="100000"/>
+              </a:lnSpc>
+              <a:spcBef>
+                <a:spcPts val="0"/>
+              </a:spcBef>
+              <a:spcAft>
+                <a:spcPts val="0"/>
+              </a:spcAft>
+              <a:buClrTx/>
+              <a:buSzTx/>
+              <a:buFontTx/>
+              <a:buNone/>
+              <a:tabLst/>
+              <a:defRPr/>
+            </a:pPr>
+            <a:endParaRPr lang="en-US" b="0" dirty="0" smtClean="0"/>
+          </a:p>
+          <a:p>
+            <a:pPr marL="0" marR="0" indent="0" algn="l" defTabSz="457200" rtl="0" eaLnBrk="1" fontAlgn="auto" latinLnBrk="0" hangingPunct="1">
+              <a:lnSpc>
+                <a:spcPct val="100000"/>
+              </a:lnSpc>
+              <a:spcBef>
+                <a:spcPts val="0"/>
+              </a:spcBef>
+              <a:spcAft>
+                <a:spcPts val="0"/>
+              </a:spcAft>
+              <a:buClrTx/>
+              <a:buSzTx/>
+              <a:buFontTx/>
+              <a:buNone/>
+              <a:tabLst/>
+              <a:defRPr/>
+            </a:pPr>
+            <a:r>
+              <a:rPr lang="en-US" b="0" dirty="0" smtClean="0"/>
+              <a:t>as we have occurrence and </a:t>
+            </a:r>
+            <a:r>
+              <a:rPr lang="en-US" b="0" dirty="0" err="1" smtClean="0"/>
+              <a:t>env</a:t>
+            </a:r>
+            <a:r>
+              <a:rPr lang="en-US" b="0" dirty="0" smtClean="0"/>
+              <a:t>, so we should be able to build</a:t>
+            </a:r>
+            <a:r>
+              <a:rPr lang="en-US" b="0" baseline="0" dirty="0" smtClean="0"/>
+              <a:t> statistical relationships the describe the probability that we find the species in that environment.</a:t>
+            </a:r>
+          </a:p>
+          <a:p>
+            <a:pPr marL="0" marR="0" indent="0" algn="l" defTabSz="457200" rtl="0" eaLnBrk="1" fontAlgn="auto" latinLnBrk="0" hangingPunct="1">
+              <a:lnSpc>
+                <a:spcPct val="100000"/>
+              </a:lnSpc>
+              <a:spcBef>
+                <a:spcPts val="0"/>
+              </a:spcBef>
+              <a:spcAft>
+                <a:spcPts val="0"/>
+              </a:spcAft>
+              <a:buClrTx/>
+              <a:buSzTx/>
+              <a:buFontTx/>
+              <a:buNone/>
+              <a:tabLst/>
+              <a:defRPr/>
+            </a:pPr>
+            <a:r>
+              <a:rPr lang="en-US" b="0" dirty="0" smtClean="0"/>
+              <a:t>These would be based on niche relationships</a:t>
+            </a:r>
+            <a:r>
+              <a:rPr lang="en-US" b="0" baseline="0" dirty="0" smtClean="0"/>
+              <a:t> to </a:t>
+            </a:r>
+            <a:r>
+              <a:rPr lang="en-US" b="0" dirty="0" smtClean="0"/>
+              <a:t>Predict</a:t>
+            </a:r>
+            <a:r>
+              <a:rPr lang="en-US" b="0" baseline="0" dirty="0" smtClean="0"/>
+              <a:t> habitat suitability.</a:t>
+            </a:r>
+            <a:endParaRPr lang="en-US" b="0" dirty="0" smtClean="0"/>
+          </a:p>
+          <a:p>
+            <a:pPr marL="0" marR="0" indent="0" algn="l" defTabSz="457200" rtl="0" eaLnBrk="1" fontAlgn="auto" latinLnBrk="0" hangingPunct="1">
+              <a:lnSpc>
+                <a:spcPct val="100000"/>
+              </a:lnSpc>
+              <a:spcBef>
+                <a:spcPts val="0"/>
+              </a:spcBef>
+              <a:spcAft>
+                <a:spcPts val="0"/>
+              </a:spcAft>
+              <a:buClrTx/>
+              <a:buSzTx/>
+              <a:buFontTx/>
+              <a:buNone/>
+              <a:tabLst/>
+              <a:defRPr/>
+            </a:pPr>
+            <a:r>
+              <a:rPr lang="en-US" b="0" dirty="0" smtClean="0"/>
+              <a:t>so we should be able to build a range map by </a:t>
+            </a:r>
+            <a:r>
+              <a:rPr lang="en-US" b="0" baseline="0" dirty="0" smtClean="0"/>
+              <a:t>which describe spatial patterns of occurrence probability</a:t>
+            </a:r>
+            <a:r>
+              <a:rPr lang="en-US" b="0" dirty="0" smtClean="0"/>
+              <a:t>, right? Then if we know something about changing environment, we just forecast it, right?</a:t>
+            </a:r>
+          </a:p>
+          <a:p>
+            <a:r>
+              <a:rPr lang="en-US" b="0" dirty="0" smtClean="0"/>
+              <a:t>Not so simple – I’ll show you how</a:t>
+            </a:r>
+            <a:r>
+              <a:rPr lang="en-US" b="0" baseline="0" dirty="0" smtClean="0"/>
+              <a:t> I’ve improved it and try to steer its use in the right direction</a:t>
+            </a:r>
+            <a:endParaRPr lang="en-US" b="0" dirty="0" smtClean="0"/>
+          </a:p>
+          <a:p>
+            <a:r>
+              <a:rPr lang="en-US" b="0" dirty="0" smtClean="0"/>
+              <a:t>But</a:t>
+            </a:r>
+            <a:r>
+              <a:rPr lang="en-US" b="0" baseline="0" dirty="0" smtClean="0"/>
+              <a:t> because its based on machine learning principles which are unfamiliar to most ecologists, it has been widely misunderstood and misused. </a:t>
+            </a:r>
+          </a:p>
+          <a:p>
+            <a:r>
+              <a:rPr lang="en-US" b="0" baseline="0" dirty="0" smtClean="0"/>
+              <a:t>So I set out to explain how it works because, with the number of studies relying on it, I felt like helping others build their own models properly could have a  large impact on ecology, particularly conservation.</a:t>
+            </a:r>
+            <a:endParaRPr lang="en-US" b="0" dirty="0" smtClean="0"/>
+          </a:p>
+          <a:p>
+            <a:pPr marL="0" indent="0">
+              <a:spcAft>
+                <a:spcPts val="1200"/>
+              </a:spcAft>
+              <a:buNone/>
+            </a:pPr>
+            <a:endParaRPr lang="en-US" b="1" dirty="0" smtClean="0">
+              <a:solidFill>
+                <a:srgbClr val="000000"/>
+              </a:solidFill>
+            </a:endParaRPr>
+          </a:p>
+          <a:p>
+            <a:endParaRPr lang="en-US" dirty="0" smtClean="0"/>
+          </a:p>
+          <a:p>
+            <a:endParaRPr lang="en-US" dirty="0"/>
           </a:p>
         </p:txBody>
       </p:sp>
@@ -850,7 +1220,7 @@
     </p:spTree>
     <p:extLst>
       <p:ext uri="{BB962C8B-B14F-4D97-AF65-F5344CB8AC3E}">
-        <p14:creationId xmlns:p14="http://schemas.microsoft.com/office/powerpoint/2010/main" val="2139571417"/>
+        <p14:creationId xmlns:p14="http://schemas.microsoft.com/office/powerpoint/2010/main" val="162086240"/>
       </p:ext>
     </p:extLst>
   </p:cSld>
@@ -901,26 +1271,317 @@
         </p:nvSpPr>
         <p:spPr/>
         <p:txBody>
-          <a:bodyPr>
-            <a:normAutofit/>
-          </a:bodyPr>
-          <a:lstStyle/>
-          <a:p>
+          <a:bodyPr/>
+          <a:lstStyle/>
+          <a:p>
+            <a:pPr marL="0" marR="0" indent="0" algn="l" defTabSz="457200" rtl="0" eaLnBrk="1" fontAlgn="auto" latinLnBrk="0" hangingPunct="1">
+              <a:lnSpc>
+                <a:spcPct val="100000"/>
+              </a:lnSpc>
+              <a:spcBef>
+                <a:spcPts val="0"/>
+              </a:spcBef>
+              <a:spcAft>
+                <a:spcPts val="0"/>
+              </a:spcAft>
+              <a:buClrTx/>
+              <a:buSzTx/>
+              <a:buFontTx/>
+              <a:buNone/>
+              <a:tabLst/>
+              <a:defRPr/>
+            </a:pPr>
+            <a:r>
+              <a:rPr lang="en-US" b="1" dirty="0" smtClean="0"/>
+              <a:t>If you build these models, these</a:t>
+            </a:r>
             <a:r>
               <a:rPr lang="en-US" b="1" baseline="0" dirty="0" smtClean="0"/>
-              <a:t>Two </a:t>
-            </a:r>
-            <a:r>
-              <a:rPr lang="en-US" b="1" baseline="0" dirty="0" err="1" smtClean="0"/>
-              <a:t>bienniels</a:t>
+              <a:t> five papers are pretty critical, if not, their just 5 ways of saying this</a:t>
+            </a:r>
+          </a:p>
+          <a:p>
+            <a:pPr marL="0" marR="0" indent="0" algn="l" defTabSz="457200" rtl="0" eaLnBrk="1" fontAlgn="auto" latinLnBrk="0" hangingPunct="1">
+              <a:lnSpc>
+                <a:spcPct val="100000"/>
+              </a:lnSpc>
+              <a:spcBef>
+                <a:spcPts val="0"/>
+              </a:spcBef>
+              <a:spcAft>
+                <a:spcPts val="0"/>
+              </a:spcAft>
+              <a:buClrTx/>
+              <a:buSzTx/>
+              <a:buFontTx/>
+              <a:buNone/>
+              <a:tabLst/>
+              <a:defRPr/>
+            </a:pPr>
+            <a:r>
+              <a:rPr lang="en-US" b="1" dirty="0" smtClean="0"/>
+              <a:t>I’ve done</a:t>
             </a:r>
             <a:r>
               <a:rPr lang="en-US" b="1" baseline="0" dirty="0" smtClean="0"/>
-              <a:t>, </a:t>
-            </a:r>
-          </a:p>
-          <a:p>
-            <a:endParaRPr lang="en-US" b="1" baseline="0" dirty="0" smtClean="0"/>
+              <a:t> a lot of work on figure out how to build these models to balance biology with statistics</a:t>
+            </a:r>
+          </a:p>
+          <a:p>
+            <a:pPr marL="0" marR="0" indent="0" algn="l" defTabSz="457200" rtl="0" eaLnBrk="1" fontAlgn="auto" latinLnBrk="0" hangingPunct="1">
+              <a:lnSpc>
+                <a:spcPct val="100000"/>
+              </a:lnSpc>
+              <a:spcBef>
+                <a:spcPts val="0"/>
+              </a:spcBef>
+              <a:spcAft>
+                <a:spcPts val="0"/>
+              </a:spcAft>
+              <a:buClrTx/>
+              <a:buSzTx/>
+              <a:buFontTx/>
+              <a:buNone/>
+              <a:tabLst/>
+              <a:defRPr/>
+            </a:pPr>
+            <a:r>
+              <a:rPr lang="en-US" b="1" baseline="0" dirty="0" smtClean="0"/>
+              <a:t>Spare the details; focus on what I do with these</a:t>
+            </a:r>
+          </a:p>
+          <a:p>
+            <a:pPr marL="0" marR="0" indent="0" algn="l" defTabSz="457200" rtl="0" eaLnBrk="1" fontAlgn="auto" latinLnBrk="0" hangingPunct="1">
+              <a:lnSpc>
+                <a:spcPct val="100000"/>
+              </a:lnSpc>
+              <a:spcBef>
+                <a:spcPts val="0"/>
+              </a:spcBef>
+              <a:spcAft>
+                <a:spcPts val="0"/>
+              </a:spcAft>
+              <a:buClrTx/>
+              <a:buSzTx/>
+              <a:buFontTx/>
+              <a:buNone/>
+              <a:tabLst/>
+              <a:defRPr/>
+            </a:pPr>
+            <a:r>
+              <a:rPr lang="en-US" b="1" baseline="0" dirty="0" smtClean="0"/>
+              <a:t>If you’re skeptical about the usefulness of correlative range, I’m even more so</a:t>
+            </a:r>
+            <a:endParaRPr lang="en-US" b="1" dirty="0" smtClean="0"/>
+          </a:p>
+          <a:p>
+            <a:pPr marL="0" marR="0" indent="0" algn="l" defTabSz="457200" rtl="0" eaLnBrk="1" fontAlgn="auto" latinLnBrk="0" hangingPunct="1">
+              <a:lnSpc>
+                <a:spcPct val="100000"/>
+              </a:lnSpc>
+              <a:spcBef>
+                <a:spcPts val="0"/>
+              </a:spcBef>
+              <a:spcAft>
+                <a:spcPts val="0"/>
+              </a:spcAft>
+              <a:buClrTx/>
+              <a:buSzTx/>
+              <a:buFontTx/>
+              <a:buNone/>
+              <a:tabLst/>
+              <a:defRPr/>
+            </a:pPr>
+            <a:endParaRPr lang="en-US" b="0" dirty="0" smtClean="0"/>
+          </a:p>
+          <a:p>
+            <a:pPr marL="0" marR="0" indent="0" algn="l" defTabSz="457200" rtl="0" eaLnBrk="1" fontAlgn="auto" latinLnBrk="0" hangingPunct="1">
+              <a:lnSpc>
+                <a:spcPct val="100000"/>
+              </a:lnSpc>
+              <a:spcBef>
+                <a:spcPts val="0"/>
+              </a:spcBef>
+              <a:spcAft>
+                <a:spcPts val="0"/>
+              </a:spcAft>
+              <a:buClrTx/>
+              <a:buSzTx/>
+              <a:buFontTx/>
+              <a:buNone/>
+              <a:tabLst/>
+              <a:defRPr/>
+            </a:pPr>
+            <a:r>
+              <a:rPr lang="en-US" b="0" baseline="0" dirty="0" smtClean="0"/>
+              <a:t>Incorporate other data types</a:t>
+            </a:r>
+          </a:p>
+          <a:p>
+            <a:pPr marL="0" marR="0" indent="0" algn="l" defTabSz="457200" rtl="0" eaLnBrk="1" fontAlgn="auto" latinLnBrk="0" hangingPunct="1">
+              <a:lnSpc>
+                <a:spcPct val="100000"/>
+              </a:lnSpc>
+              <a:spcBef>
+                <a:spcPts val="0"/>
+              </a:spcBef>
+              <a:spcAft>
+                <a:spcPts val="0"/>
+              </a:spcAft>
+              <a:buClrTx/>
+              <a:buSzTx/>
+              <a:buFontTx/>
+              <a:buNone/>
+              <a:tabLst/>
+              <a:defRPr/>
+            </a:pPr>
+            <a:endParaRPr lang="en-US" b="0" dirty="0" smtClean="0"/>
+          </a:p>
+          <a:p>
+            <a:pPr marL="0" marR="0" indent="0" algn="l" defTabSz="457200" rtl="0" eaLnBrk="1" fontAlgn="auto" latinLnBrk="0" hangingPunct="1">
+              <a:lnSpc>
+                <a:spcPct val="100000"/>
+              </a:lnSpc>
+              <a:spcBef>
+                <a:spcPts val="0"/>
+              </a:spcBef>
+              <a:spcAft>
+                <a:spcPts val="0"/>
+              </a:spcAft>
+              <a:buClrTx/>
+              <a:buSzTx/>
+              <a:buFontTx/>
+              <a:buNone/>
+              <a:tabLst/>
+              <a:defRPr/>
+            </a:pPr>
+            <a:r>
+              <a:rPr lang="en-US" b="0" dirty="0" smtClean="0"/>
+              <a:t>as we have occurrence and </a:t>
+            </a:r>
+            <a:r>
+              <a:rPr lang="en-US" b="0" dirty="0" err="1" smtClean="0"/>
+              <a:t>env</a:t>
+            </a:r>
+            <a:r>
+              <a:rPr lang="en-US" b="0" dirty="0" smtClean="0"/>
+              <a:t>, so we should be able to build</a:t>
+            </a:r>
+            <a:r>
+              <a:rPr lang="en-US" b="0" baseline="0" dirty="0" smtClean="0"/>
+              <a:t> statistical relationships the describe the probability that we find the species in that environment.</a:t>
+            </a:r>
+          </a:p>
+          <a:p>
+            <a:pPr marL="0" marR="0" indent="0" algn="l" defTabSz="457200" rtl="0" eaLnBrk="1" fontAlgn="auto" latinLnBrk="0" hangingPunct="1">
+              <a:lnSpc>
+                <a:spcPct val="100000"/>
+              </a:lnSpc>
+              <a:spcBef>
+                <a:spcPts val="0"/>
+              </a:spcBef>
+              <a:spcAft>
+                <a:spcPts val="0"/>
+              </a:spcAft>
+              <a:buClrTx/>
+              <a:buSzTx/>
+              <a:buFontTx/>
+              <a:buNone/>
+              <a:tabLst/>
+              <a:defRPr/>
+            </a:pPr>
+            <a:r>
+              <a:rPr lang="en-US" b="0" dirty="0" smtClean="0"/>
+              <a:t>These would be based on niche relationships</a:t>
+            </a:r>
+            <a:r>
+              <a:rPr lang="en-US" b="0" baseline="0" dirty="0" smtClean="0"/>
+              <a:t> to </a:t>
+            </a:r>
+            <a:r>
+              <a:rPr lang="en-US" b="0" dirty="0" smtClean="0"/>
+              <a:t>Predict</a:t>
+            </a:r>
+            <a:r>
+              <a:rPr lang="en-US" b="0" baseline="0" dirty="0" smtClean="0"/>
+              <a:t> habitat suitability.</a:t>
+            </a:r>
+            <a:endParaRPr lang="en-US" b="0" dirty="0" smtClean="0"/>
+          </a:p>
+          <a:p>
+            <a:pPr marL="0" marR="0" indent="0" algn="l" defTabSz="457200" rtl="0" eaLnBrk="1" fontAlgn="auto" latinLnBrk="0" hangingPunct="1">
+              <a:lnSpc>
+                <a:spcPct val="100000"/>
+              </a:lnSpc>
+              <a:spcBef>
+                <a:spcPts val="0"/>
+              </a:spcBef>
+              <a:spcAft>
+                <a:spcPts val="0"/>
+              </a:spcAft>
+              <a:buClrTx/>
+              <a:buSzTx/>
+              <a:buFontTx/>
+              <a:buNone/>
+              <a:tabLst/>
+              <a:defRPr/>
+            </a:pPr>
+            <a:r>
+              <a:rPr lang="en-US" b="0" dirty="0" smtClean="0"/>
+              <a:t>so we should be able to build a range map by </a:t>
+            </a:r>
+            <a:r>
+              <a:rPr lang="en-US" b="0" baseline="0" dirty="0" smtClean="0"/>
+              <a:t>which describe spatial patterns of occurrence probability</a:t>
+            </a:r>
+            <a:r>
+              <a:rPr lang="en-US" b="0" dirty="0" smtClean="0"/>
+              <a:t>, right? Then if we know something about changing environment, we just forecast it, right?</a:t>
+            </a:r>
+          </a:p>
+          <a:p>
+            <a:r>
+              <a:rPr lang="en-US" b="0" dirty="0" smtClean="0"/>
+              <a:t>Not so simple – I’ll show you how</a:t>
+            </a:r>
+            <a:r>
+              <a:rPr lang="en-US" b="0" baseline="0" dirty="0" smtClean="0"/>
+              <a:t> I’ve improved it and try to steer its use in the right direction</a:t>
+            </a:r>
+            <a:endParaRPr lang="en-US" b="0" dirty="0" smtClean="0"/>
+          </a:p>
+          <a:p>
+            <a:r>
+              <a:rPr lang="en-US" b="0" dirty="0" smtClean="0"/>
+              <a:t>But</a:t>
+            </a:r>
+            <a:r>
+              <a:rPr lang="en-US" b="0" baseline="0" dirty="0" smtClean="0"/>
+              <a:t> because its based on machine learning principles which are unfamiliar to most ecologists, it has been widely misunderstood and misused. </a:t>
+            </a:r>
+          </a:p>
+          <a:p>
+            <a:r>
+              <a:rPr lang="en-US" b="0" baseline="0" dirty="0" smtClean="0"/>
+              <a:t>So I set out to explain how it works because, with the number of studies relying on it, I felt like helping others build their own models properly could have a  large impact on ecology, particularly conservation.</a:t>
+            </a:r>
+            <a:endParaRPr lang="en-US" b="0" dirty="0" smtClean="0"/>
+          </a:p>
+          <a:p>
+            <a:pPr marL="0" indent="0">
+              <a:spcAft>
+                <a:spcPts val="1200"/>
+              </a:spcAft>
+              <a:buNone/>
+            </a:pPr>
+            <a:endParaRPr lang="en-US" b="1" dirty="0" smtClean="0">
+              <a:solidFill>
+                <a:srgbClr val="000000"/>
+              </a:solidFill>
+            </a:endParaRPr>
+          </a:p>
+          <a:p>
+            <a:endParaRPr lang="en-US" dirty="0" smtClean="0"/>
           </a:p>
           <a:p>
             <a:endParaRPr lang="en-US" dirty="0"/>
@@ -942,9 +1603,7 @@
           <a:bodyPr/>
           <a:lstStyle/>
           <a:p>
-            <a:fld id="{EAB5F138-CEF2-3540-8242-65D6EBBB25CF}" type="slidenum">
-              <a:rPr lang="en-US" smtClean="0"/>
-              <a:pPr/>
+            <a:fld id="{9D9F04C9-3686-9540-BA5C-9F8BFA52B173}" type="slidenum">
               <a:t>3</a:t>
             </a:fld>
             <a:endParaRPr lang="en-US" dirty="0"/>
@@ -954,7 +1613,7 @@
     </p:spTree>
     <p:extLst>
       <p:ext uri="{BB962C8B-B14F-4D97-AF65-F5344CB8AC3E}">
-        <p14:creationId xmlns:p14="http://schemas.microsoft.com/office/powerpoint/2010/main" val="2047600337"/>
+        <p14:creationId xmlns:p14="http://schemas.microsoft.com/office/powerpoint/2010/main" val="1285443945"/>
       </p:ext>
     </p:extLst>
   </p:cSld>
@@ -1009,35 +1668,65 @@
           <a:lstStyle/>
           <a:p>
             <a:r>
-              <a:rPr lang="en-US" b="1" dirty="0" smtClean="0"/>
-              <a:t>Improve early detection</a:t>
-            </a:r>
-          </a:p>
-          <a:p>
-            <a:r>
-              <a:rPr lang="en-US" b="1" dirty="0" smtClean="0"/>
-              <a:t>Plan preemptive management strategies</a:t>
-            </a:r>
-            <a:r>
-              <a:rPr lang="en-US" b="1" baseline="0" dirty="0" smtClean="0"/>
-              <a:t> </a:t>
-            </a:r>
-          </a:p>
-          <a:p>
-            <a:r>
-              <a:rPr lang="en-US" b="1" baseline="0" dirty="0" smtClean="0"/>
-              <a:t>Specific to </a:t>
-            </a:r>
-            <a:r>
-              <a:rPr lang="en-US" b="1" dirty="0" smtClean="0"/>
-              <a:t>Life</a:t>
-            </a:r>
-            <a:r>
-              <a:rPr lang="en-US" b="1" baseline="0" dirty="0" smtClean="0"/>
-              <a:t> stage and geography</a:t>
+              <a:rPr lang="en-US" dirty="0"/>
+              <a:t>Maxent derives from</a:t>
+            </a:r>
+            <a:r>
+              <a:rPr lang="en-US" baseline="0" dirty="0"/>
+              <a:t> a use-availability sampling scheme</a:t>
+            </a:r>
+          </a:p>
+          <a:p>
+            <a:pPr marL="0" marR="0" indent="0" algn="l" defTabSz="457200" rtl="0" eaLnBrk="1" fontAlgn="auto" latinLnBrk="0" hangingPunct="1">
+              <a:lnSpc>
+                <a:spcPct val="100000"/>
+              </a:lnSpc>
+              <a:spcBef>
+                <a:spcPts val="0"/>
+              </a:spcBef>
+              <a:spcAft>
+                <a:spcPts val="0"/>
+              </a:spcAft>
+              <a:buClrTx/>
+              <a:buSzTx/>
+              <a:buFontTx/>
+              <a:buNone/>
+              <a:tabLst/>
+              <a:defRPr/>
+            </a:pPr>
+            <a:r>
+              <a:rPr lang="en-US" dirty="0"/>
+              <a:t>Some confusion,</a:t>
+            </a:r>
+            <a:r>
+              <a:rPr lang="en-US" baseline="0" dirty="0"/>
+              <a:t> but no assumptions are made about absences.</a:t>
             </a:r>
             <a:endParaRPr lang="en-US" dirty="0"/>
           </a:p>
+          <a:p>
+            <a:r>
+              <a:rPr lang="en-US" dirty="0"/>
+              <a:t>Comparing orange to blue</a:t>
+            </a:r>
+          </a:p>
+          <a:p>
+            <a:r>
+              <a:rPr lang="en-US" dirty="0"/>
+              <a:t>What you perceive to be ‘available</a:t>
+            </a:r>
+            <a:r>
+              <a:rPr lang="en-US" baseline="0" dirty="0"/>
+              <a:t>’ strongly influences predictions.</a:t>
+            </a:r>
+          </a:p>
+          <a:p>
+            <a:r>
+              <a:rPr lang="en-US" baseline="0" dirty="0"/>
+              <a:t>I won’t go into the details of how to choose background based on your questions, but I’ve thought some about this and you should ask me if you’re interested.</a:t>
+            </a:r>
+            <a:endParaRPr lang="en-US" dirty="0"/>
+          </a:p>
         </p:txBody>
       </p:sp>
       <p:sp>
@@ -1055,8 +1744,7 @@
           <a:bodyPr/>
           <a:lstStyle/>
           <a:p>
-            <a:fld id="{5A084C09-802B-AA4D-A149-B4B9A2038697}" type="slidenum">
-              <a:rPr lang="en-US" smtClean="0"/>
+            <a:fld id="{9D9F04C9-3686-9540-BA5C-9F8BFA52B173}" type="slidenum">
               <a:t>4</a:t>
             </a:fld>
             <a:endParaRPr lang="en-US" dirty="0"/>
@@ -1066,7 +1754,7 @@
     </p:spTree>
     <p:extLst>
       <p:ext uri="{BB962C8B-B14F-4D97-AF65-F5344CB8AC3E}">
-        <p14:creationId xmlns:p14="http://schemas.microsoft.com/office/powerpoint/2010/main" val="213357206"/>
+        <p14:creationId xmlns:p14="http://schemas.microsoft.com/office/powerpoint/2010/main" val="1439423386"/>
       </p:ext>
     </p:extLst>
   </p:cSld>
@@ -1138,17 +1826,20 @@
               <a:defRPr/>
             </a:pPr>
             <a:r>
-              <a:rPr lang="en-US" b="1"/>
-              <a:t>Always extraplating in geographic space, often</a:t>
-            </a:r>
-            <a:r>
-              <a:rPr lang="en-US" b="1" baseline="0"/>
-              <a:t> in environmetnal space too</a:t>
-            </a:r>
-            <a:endParaRPr lang="en-US" b="1"/>
-          </a:p>
-          <a:p>
-            <a:endParaRPr lang="en-US"/>
+              <a:rPr lang="en-US" baseline="0" dirty="0"/>
+              <a:t>Data going into each model is the same</a:t>
+            </a:r>
+            <a:endParaRPr lang="en-US" dirty="0"/>
+          </a:p>
+          <a:p>
+            <a:r>
+              <a:rPr lang="en-US" dirty="0"/>
+              <a:t>The greatest feature of maxent</a:t>
+            </a:r>
+            <a:r>
+              <a:rPr lang="en-US" baseline="0" dirty="0"/>
+              <a:t> is its flexibility to accommodate different assumptions and hypotheses.</a:t>
+            </a:r>
           </a:p>
         </p:txBody>
       </p:sp>
@@ -1167,9 +1858,8 @@
           <a:bodyPr/>
           <a:lstStyle/>
           <a:p>
-            <a:fld id="{5A084C09-802B-AA4D-A149-B4B9A2038697}" type="slidenum">
-              <a:rPr lang="en-US"/>
-              <a:t>5</a:t>
+            <a:fld id="{9D9F04C9-3686-9540-BA5C-9F8BFA52B173}" type="slidenum">
+              <a:t>7</a:t>
             </a:fld>
             <a:endParaRPr lang="en-US" dirty="0"/>
           </a:p>
@@ -1178,7 +1868,7 @@
     </p:spTree>
     <p:extLst>
       <p:ext uri="{BB962C8B-B14F-4D97-AF65-F5344CB8AC3E}">
-        <p14:creationId xmlns:p14="http://schemas.microsoft.com/office/powerpoint/2010/main" val="555990051"/>
+        <p14:creationId xmlns:p14="http://schemas.microsoft.com/office/powerpoint/2010/main" val="722941873"/>
       </p:ext>
     </p:extLst>
   </p:cSld>
@@ -1251,9 +1941,8 @@
           <a:bodyPr/>
           <a:lstStyle/>
           <a:p>
-            <a:fld id="{5A084C09-802B-AA4D-A149-B4B9A2038697}" type="slidenum">
-              <a:rPr lang="en-US" smtClean="0"/>
-              <a:t>6</a:t>
+            <a:fld id="{9D9F04C9-3686-9540-BA5C-9F8BFA52B173}" type="slidenum">
+              <a:t>8</a:t>
             </a:fld>
             <a:endParaRPr lang="en-US" dirty="0"/>
           </a:p>
@@ -1262,7 +1951,335 @@
     </p:spTree>
     <p:extLst>
       <p:ext uri="{BB962C8B-B14F-4D97-AF65-F5344CB8AC3E}">
-        <p14:creationId xmlns:p14="http://schemas.microsoft.com/office/powerpoint/2010/main" val="1189098662"/>
+        <p14:creationId xmlns:p14="http://schemas.microsoft.com/office/powerpoint/2010/main" val="1998228799"/>
+      </p:ext>
+    </p:extLst>
+  </p:cSld>
+  <p:clrMapOvr>
+    <a:masterClrMapping/>
+  </p:clrMapOvr>
+</p:notes>
+</file>
+
+<file path=ppt/notesSlides/notesSlide7.xml><?xml version="1.0" encoding="utf-8"?>
+<p:notes xmlns:a="http://schemas.openxmlformats.org/drawingml/2006/main" xmlns:r="http://schemas.openxmlformats.org/officeDocument/2006/relationships" xmlns:p="http://schemas.openxmlformats.org/presentationml/2006/main">
+  <p:cSld>
+    <p:spTree>
+      <p:nvGrpSpPr>
+        <p:cNvPr id="1" name=""/>
+        <p:cNvGrpSpPr/>
+        <p:nvPr/>
+      </p:nvGrpSpPr>
+      <p:grpSpPr>
+        <a:xfrm>
+          <a:off x="0" y="0"/>
+          <a:ext cx="0" cy="0"/>
+          <a:chOff x="0" y="0"/>
+          <a:chExt cx="0" cy="0"/>
+        </a:xfrm>
+      </p:grpSpPr>
+      <p:sp>
+        <p:nvSpPr>
+          <p:cNvPr id="2" name="Slide Image Placeholder 1"/>
+          <p:cNvSpPr>
+            <a:spLocks noGrp="1" noRot="1" noChangeAspect="1"/>
+          </p:cNvSpPr>
+          <p:nvPr>
+            <p:ph type="sldImg"/>
+          </p:nvPr>
+        </p:nvSpPr>
+        <p:spPr/>
+      </p:sp>
+      <p:sp>
+        <p:nvSpPr>
+          <p:cNvPr id="3" name="Notes Placeholder 2"/>
+          <p:cNvSpPr>
+            <a:spLocks noGrp="1"/>
+          </p:cNvSpPr>
+          <p:nvPr>
+            <p:ph type="body" idx="1"/>
+          </p:nvPr>
+        </p:nvSpPr>
+        <p:spPr/>
+        <p:txBody>
+          <a:bodyPr>
+            <a:normAutofit/>
+          </a:bodyPr>
+          <a:lstStyle/>
+          <a:p>
+            <a:r>
+              <a:rPr lang="en-US" b="1" baseline="0" dirty="0" smtClean="0"/>
+              <a:t>Two </a:t>
+            </a:r>
+            <a:r>
+              <a:rPr lang="en-US" b="1" baseline="0" dirty="0" err="1" smtClean="0"/>
+              <a:t>bienniels</a:t>
+            </a:r>
+            <a:r>
+              <a:rPr lang="en-US" b="1" baseline="0" dirty="0" smtClean="0"/>
+              <a:t>, </a:t>
+            </a:r>
+          </a:p>
+          <a:p>
+            <a:endParaRPr lang="en-US" b="1" baseline="0" dirty="0" smtClean="0"/>
+          </a:p>
+          <a:p>
+            <a:endParaRPr lang="en-US" dirty="0"/>
+          </a:p>
+        </p:txBody>
+      </p:sp>
+      <p:sp>
+        <p:nvSpPr>
+          <p:cNvPr id="4" name="Slide Number Placeholder 3"/>
+          <p:cNvSpPr>
+            <a:spLocks noGrp="1"/>
+          </p:cNvSpPr>
+          <p:nvPr>
+            <p:ph type="sldNum" sz="quarter" idx="10"/>
+          </p:nvPr>
+        </p:nvSpPr>
+        <p:spPr/>
+        <p:txBody>
+          <a:bodyPr/>
+          <a:lstStyle/>
+          <a:p>
+            <a:fld id="{EAB5F138-CEF2-3540-8242-65D6EBBB25CF}" type="slidenum">
+              <a:rPr lang="en-US" smtClean="0"/>
+              <a:pPr/>
+              <a:t>9</a:t>
+            </a:fld>
+            <a:endParaRPr lang="en-US" dirty="0"/>
+          </a:p>
+        </p:txBody>
+      </p:sp>
+    </p:spTree>
+    <p:extLst>
+      <p:ext uri="{BB962C8B-B14F-4D97-AF65-F5344CB8AC3E}">
+        <p14:creationId xmlns:p14="http://schemas.microsoft.com/office/powerpoint/2010/main" val="2047600337"/>
+      </p:ext>
+    </p:extLst>
+  </p:cSld>
+  <p:clrMapOvr>
+    <a:masterClrMapping/>
+  </p:clrMapOvr>
+</p:notes>
+</file>
+
+<file path=ppt/notesSlides/notesSlide8.xml><?xml version="1.0" encoding="utf-8"?>
+<p:notes xmlns:a="http://schemas.openxmlformats.org/drawingml/2006/main" xmlns:r="http://schemas.openxmlformats.org/officeDocument/2006/relationships" xmlns:p="http://schemas.openxmlformats.org/presentationml/2006/main">
+  <p:cSld>
+    <p:spTree>
+      <p:nvGrpSpPr>
+        <p:cNvPr id="1" name=""/>
+        <p:cNvGrpSpPr/>
+        <p:nvPr/>
+      </p:nvGrpSpPr>
+      <p:grpSpPr>
+        <a:xfrm>
+          <a:off x="0" y="0"/>
+          <a:ext cx="0" cy="0"/>
+          <a:chOff x="0" y="0"/>
+          <a:chExt cx="0" cy="0"/>
+        </a:xfrm>
+      </p:grpSpPr>
+      <p:sp>
+        <p:nvSpPr>
+          <p:cNvPr id="2" name="Slide Image Placeholder 1"/>
+          <p:cNvSpPr>
+            <a:spLocks noGrp="1" noRot="1" noChangeAspect="1"/>
+          </p:cNvSpPr>
+          <p:nvPr>
+            <p:ph type="sldImg"/>
+          </p:nvPr>
+        </p:nvSpPr>
+        <p:spPr/>
+      </p:sp>
+      <p:sp>
+        <p:nvSpPr>
+          <p:cNvPr id="3" name="Notes Placeholder 2"/>
+          <p:cNvSpPr>
+            <a:spLocks noGrp="1"/>
+          </p:cNvSpPr>
+          <p:nvPr>
+            <p:ph type="body" idx="1"/>
+          </p:nvPr>
+        </p:nvSpPr>
+        <p:spPr/>
+        <p:txBody>
+          <a:bodyPr/>
+          <a:lstStyle/>
+          <a:p>
+            <a:r>
+              <a:rPr lang="en-US" b="1" dirty="0" smtClean="0"/>
+              <a:t>Improve early detection</a:t>
+            </a:r>
+          </a:p>
+          <a:p>
+            <a:r>
+              <a:rPr lang="en-US" b="1" dirty="0" smtClean="0"/>
+              <a:t>Plan preemptive management strategies</a:t>
+            </a:r>
+            <a:r>
+              <a:rPr lang="en-US" b="1" baseline="0" dirty="0" smtClean="0"/>
+              <a:t> </a:t>
+            </a:r>
+          </a:p>
+          <a:p>
+            <a:r>
+              <a:rPr lang="en-US" b="1" baseline="0" dirty="0" smtClean="0"/>
+              <a:t>Specific to </a:t>
+            </a:r>
+            <a:r>
+              <a:rPr lang="en-US" b="1" dirty="0" smtClean="0"/>
+              <a:t>Life</a:t>
+            </a:r>
+            <a:r>
+              <a:rPr lang="en-US" b="1" baseline="0" dirty="0" smtClean="0"/>
+              <a:t> stage and geography</a:t>
+            </a:r>
+            <a:endParaRPr lang="en-US" dirty="0"/>
+          </a:p>
+        </p:txBody>
+      </p:sp>
+      <p:sp>
+        <p:nvSpPr>
+          <p:cNvPr id="4" name="Slide Number Placeholder 3"/>
+          <p:cNvSpPr>
+            <a:spLocks noGrp="1"/>
+          </p:cNvSpPr>
+          <p:nvPr>
+            <p:ph type="sldNum" sz="quarter" idx="10"/>
+          </p:nvPr>
+        </p:nvSpPr>
+        <p:spPr/>
+        <p:txBody>
+          <a:bodyPr/>
+          <a:lstStyle/>
+          <a:p>
+            <a:fld id="{5A084C09-802B-AA4D-A149-B4B9A2038697}" type="slidenum">
+              <a:rPr lang="en-US" smtClean="0"/>
+              <a:t>10</a:t>
+            </a:fld>
+            <a:endParaRPr lang="en-US" dirty="0"/>
+          </a:p>
+        </p:txBody>
+      </p:sp>
+    </p:spTree>
+    <p:extLst>
+      <p:ext uri="{BB962C8B-B14F-4D97-AF65-F5344CB8AC3E}">
+        <p14:creationId xmlns:p14="http://schemas.microsoft.com/office/powerpoint/2010/main" val="213357206"/>
+      </p:ext>
+    </p:extLst>
+  </p:cSld>
+  <p:clrMapOvr>
+    <a:masterClrMapping/>
+  </p:clrMapOvr>
+</p:notes>
+</file>
+
+<file path=ppt/notesSlides/notesSlide9.xml><?xml version="1.0" encoding="utf-8"?>
+<p:notes xmlns:a="http://schemas.openxmlformats.org/drawingml/2006/main" xmlns:r="http://schemas.openxmlformats.org/officeDocument/2006/relationships" xmlns:p="http://schemas.openxmlformats.org/presentationml/2006/main">
+  <p:cSld>
+    <p:spTree>
+      <p:nvGrpSpPr>
+        <p:cNvPr id="1" name=""/>
+        <p:cNvGrpSpPr/>
+        <p:nvPr/>
+      </p:nvGrpSpPr>
+      <p:grpSpPr>
+        <a:xfrm>
+          <a:off x="0" y="0"/>
+          <a:ext cx="0" cy="0"/>
+          <a:chOff x="0" y="0"/>
+          <a:chExt cx="0" cy="0"/>
+        </a:xfrm>
+      </p:grpSpPr>
+      <p:sp>
+        <p:nvSpPr>
+          <p:cNvPr id="2" name="Slide Image Placeholder 1"/>
+          <p:cNvSpPr>
+            <a:spLocks noGrp="1" noRot="1" noChangeAspect="1"/>
+          </p:cNvSpPr>
+          <p:nvPr>
+            <p:ph type="sldImg"/>
+          </p:nvPr>
+        </p:nvSpPr>
+        <p:spPr/>
+      </p:sp>
+      <p:sp>
+        <p:nvSpPr>
+          <p:cNvPr id="3" name="Notes Placeholder 2"/>
+          <p:cNvSpPr>
+            <a:spLocks noGrp="1"/>
+          </p:cNvSpPr>
+          <p:nvPr>
+            <p:ph type="body" idx="1"/>
+          </p:nvPr>
+        </p:nvSpPr>
+        <p:spPr/>
+        <p:txBody>
+          <a:bodyPr/>
+          <a:lstStyle/>
+          <a:p>
+            <a:pPr marL="0" marR="0" indent="0" algn="l" defTabSz="457200" rtl="0" eaLnBrk="1" fontAlgn="auto" latinLnBrk="0" hangingPunct="1">
+              <a:lnSpc>
+                <a:spcPct val="100000"/>
+              </a:lnSpc>
+              <a:spcBef>
+                <a:spcPts val="0"/>
+              </a:spcBef>
+              <a:spcAft>
+                <a:spcPts val="0"/>
+              </a:spcAft>
+              <a:buClrTx/>
+              <a:buSzTx/>
+              <a:buFontTx/>
+              <a:buNone/>
+              <a:tabLst/>
+              <a:defRPr/>
+            </a:pPr>
+            <a:r>
+              <a:rPr lang="en-US" b="1"/>
+              <a:t>Always extraplating in geographic space, often</a:t>
+            </a:r>
+            <a:r>
+              <a:rPr lang="en-US" b="1" baseline="0"/>
+              <a:t> in environmetnal space too</a:t>
+            </a:r>
+            <a:endParaRPr lang="en-US" b="1"/>
+          </a:p>
+          <a:p>
+            <a:endParaRPr lang="en-US"/>
+          </a:p>
+        </p:txBody>
+      </p:sp>
+      <p:sp>
+        <p:nvSpPr>
+          <p:cNvPr id="4" name="Slide Number Placeholder 3"/>
+          <p:cNvSpPr>
+            <a:spLocks noGrp="1"/>
+          </p:cNvSpPr>
+          <p:nvPr>
+            <p:ph type="sldNum" sz="quarter" idx="10"/>
+          </p:nvPr>
+        </p:nvSpPr>
+        <p:spPr/>
+        <p:txBody>
+          <a:bodyPr/>
+          <a:lstStyle/>
+          <a:p>
+            <a:fld id="{5A084C09-802B-AA4D-A149-B4B9A2038697}" type="slidenum">
+              <a:rPr lang="en-US"/>
+              <a:t>11</a:t>
+            </a:fld>
+            <a:endParaRPr lang="en-US" dirty="0"/>
+          </a:p>
+        </p:txBody>
+      </p:sp>
+    </p:spTree>
+    <p:extLst>
+      <p:ext uri="{BB962C8B-B14F-4D97-AF65-F5344CB8AC3E}">
+        <p14:creationId xmlns:p14="http://schemas.microsoft.com/office/powerpoint/2010/main" val="555990051"/>
       </p:ext>
     </p:extLst>
   </p:cSld>
@@ -4982,941 +5999,7 @@
 </p:sld>
 </file>
 
-<file path=ppt/slides/slide2.xml><?xml version="1.0" encoding="utf-8"?>
-<p:sld xmlns:a="http://schemas.openxmlformats.org/drawingml/2006/main" xmlns:r="http://schemas.openxmlformats.org/officeDocument/2006/relationships" xmlns:p="http://schemas.openxmlformats.org/presentationml/2006/main">
-  <p:cSld>
-    <p:spTree>
-      <p:nvGrpSpPr>
-        <p:cNvPr id="1" name=""/>
-        <p:cNvGrpSpPr/>
-        <p:nvPr/>
-      </p:nvGrpSpPr>
-      <p:grpSpPr>
-        <a:xfrm>
-          <a:off x="0" y="0"/>
-          <a:ext cx="0" cy="0"/>
-          <a:chOff x="0" y="0"/>
-          <a:chExt cx="0" cy="0"/>
-        </a:xfrm>
-      </p:grpSpPr>
-      <p:sp>
-        <p:nvSpPr>
-          <p:cNvPr id="2" name="Title 1"/>
-          <p:cNvSpPr>
-            <a:spLocks noGrp="1"/>
-          </p:cNvSpPr>
-          <p:nvPr>
-            <p:ph type="title"/>
-          </p:nvPr>
-        </p:nvSpPr>
-        <p:spPr>
-          <a:xfrm>
-            <a:off x="659114" y="385768"/>
-            <a:ext cx="8004298" cy="1039828"/>
-          </a:xfrm>
-        </p:spPr>
-        <p:txBody>
-          <a:bodyPr/>
-          <a:lstStyle/>
-          <a:p>
-            <a:r>
-              <a:rPr lang="en-US" dirty="0" smtClean="0"/>
-              <a:t>Usually, correlative models</a:t>
-            </a:r>
-            <a:endParaRPr lang="en-US" dirty="0"/>
-          </a:p>
-        </p:txBody>
-      </p:sp>
-      <p:cxnSp>
-        <p:nvCxnSpPr>
-          <p:cNvPr id="4" name="Straight Connector 3"/>
-          <p:cNvCxnSpPr/>
-          <p:nvPr/>
-        </p:nvCxnSpPr>
-        <p:spPr>
-          <a:xfrm flipV="1">
-            <a:off x="3163320" y="3011680"/>
-            <a:ext cx="349710" cy="1922373"/>
-          </a:xfrm>
-          <a:prstGeom prst="line">
-            <a:avLst/>
-          </a:prstGeom>
-          <a:ln w="63500">
-            <a:solidFill>
-              <a:srgbClr val="FF0000"/>
-            </a:solidFill>
-          </a:ln>
-          <a:effectLst/>
-        </p:spPr>
-        <p:style>
-          <a:lnRef idx="2">
-            <a:schemeClr val="accent1"/>
-          </a:lnRef>
-          <a:fillRef idx="0">
-            <a:schemeClr val="accent1"/>
-          </a:fillRef>
-          <a:effectRef idx="1">
-            <a:schemeClr val="accent1"/>
-          </a:effectRef>
-          <a:fontRef idx="minor">
-            <a:schemeClr val="tx1"/>
-          </a:fontRef>
-        </p:style>
-      </p:cxnSp>
-      <p:cxnSp>
-        <p:nvCxnSpPr>
-          <p:cNvPr id="5" name="Straight Arrow Connector 4"/>
-          <p:cNvCxnSpPr/>
-          <p:nvPr/>
-        </p:nvCxnSpPr>
-        <p:spPr>
-          <a:xfrm>
-            <a:off x="3462572" y="3010091"/>
-            <a:ext cx="758707" cy="0"/>
-          </a:xfrm>
-          <a:prstGeom prst="straightConnector1">
-            <a:avLst/>
-          </a:prstGeom>
-          <a:ln w="63500">
-            <a:solidFill>
-              <a:srgbClr val="FF0000"/>
-            </a:solidFill>
-            <a:tailEnd type="arrow"/>
-          </a:ln>
-          <a:effectLst/>
-        </p:spPr>
-        <p:style>
-          <a:lnRef idx="2">
-            <a:schemeClr val="accent1"/>
-          </a:lnRef>
-          <a:fillRef idx="0">
-            <a:schemeClr val="accent1"/>
-          </a:fillRef>
-          <a:effectRef idx="1">
-            <a:schemeClr val="accent1"/>
-          </a:effectRef>
-          <a:fontRef idx="minor">
-            <a:schemeClr val="tx1"/>
-          </a:fontRef>
-        </p:style>
-      </p:cxnSp>
-      <p:pic>
-        <p:nvPicPr>
-          <p:cNvPr id="7" name="Picture 6" descr="temp fig 1.pdf"/>
-          <p:cNvPicPr>
-            <a:picLocks noChangeAspect="1"/>
-          </p:cNvPicPr>
-          <p:nvPr/>
-        </p:nvPicPr>
-        <p:blipFill>
-          <a:blip r:embed="rId3"/>
-          <a:srcRect l="13404" t="13448" r="6891" b="16005"/>
-          <a:stretch>
-            <a:fillRect/>
-          </a:stretch>
-        </p:blipFill>
-        <p:spPr>
-          <a:xfrm>
-            <a:off x="910198" y="1538557"/>
-            <a:ext cx="2228768" cy="1972682"/>
-          </a:xfrm>
-          <a:prstGeom prst="rect">
-            <a:avLst/>
-          </a:prstGeom>
-        </p:spPr>
-      </p:pic>
-      <p:pic>
-        <p:nvPicPr>
-          <p:cNvPr id="8" name="Picture 7" descr="temp.pdf"/>
-          <p:cNvPicPr>
-            <a:picLocks noChangeAspect="1"/>
-          </p:cNvPicPr>
-          <p:nvPr/>
-        </p:nvPicPr>
-        <p:blipFill>
-          <a:blip r:embed="rId4"/>
-          <a:srcRect t="7447"/>
-          <a:stretch>
-            <a:fillRect/>
-          </a:stretch>
-        </p:blipFill>
-        <p:spPr>
-          <a:xfrm>
-            <a:off x="780480" y="4289321"/>
-            <a:ext cx="2382839" cy="2205400"/>
-          </a:xfrm>
-          <a:prstGeom prst="rect">
-            <a:avLst/>
-          </a:prstGeom>
-        </p:spPr>
-      </p:pic>
-      <p:sp>
-        <p:nvSpPr>
-          <p:cNvPr id="9" name="TextBox 8"/>
-          <p:cNvSpPr txBox="1"/>
-          <p:nvPr/>
-        </p:nvSpPr>
-        <p:spPr>
-          <a:xfrm>
-            <a:off x="396751" y="3569490"/>
-            <a:ext cx="2316596" cy="830997"/>
-          </a:xfrm>
-          <a:prstGeom prst="rect">
-            <a:avLst/>
-          </a:prstGeom>
-          <a:noFill/>
-        </p:spPr>
-        <p:txBody>
-          <a:bodyPr wrap="square" rtlCol="0">
-            <a:spAutoFit/>
-          </a:bodyPr>
-          <a:lstStyle/>
-          <a:p>
-            <a:r>
-              <a:rPr lang="en-US" sz="2400" dirty="0"/>
-              <a:t>Annual Precipitation</a:t>
-            </a:r>
-          </a:p>
-        </p:txBody>
-      </p:sp>
-      <p:sp>
-        <p:nvSpPr>
-          <p:cNvPr id="11" name="TextBox 10"/>
-          <p:cNvSpPr txBox="1"/>
-          <p:nvPr/>
-        </p:nvSpPr>
-        <p:spPr>
-          <a:xfrm>
-            <a:off x="396751" y="1538557"/>
-            <a:ext cx="1865031" cy="461665"/>
-          </a:xfrm>
-          <a:prstGeom prst="rect">
-            <a:avLst/>
-          </a:prstGeom>
-          <a:noFill/>
-        </p:spPr>
-        <p:txBody>
-          <a:bodyPr wrap="square" rtlCol="0">
-            <a:spAutoFit/>
-          </a:bodyPr>
-          <a:lstStyle/>
-          <a:p>
-            <a:r>
-              <a:rPr lang="en-US" sz="2400" dirty="0"/>
-              <a:t>Presences</a:t>
-            </a:r>
-          </a:p>
-        </p:txBody>
-      </p:sp>
-      <p:cxnSp>
-        <p:nvCxnSpPr>
-          <p:cNvPr id="12" name="Straight Connector 11"/>
-          <p:cNvCxnSpPr/>
-          <p:nvPr/>
-        </p:nvCxnSpPr>
-        <p:spPr>
-          <a:xfrm flipV="1">
-            <a:off x="2730818" y="3008503"/>
-            <a:ext cx="782211" cy="79"/>
-          </a:xfrm>
-          <a:prstGeom prst="line">
-            <a:avLst/>
-          </a:prstGeom>
-          <a:ln w="63500">
-            <a:solidFill>
-              <a:srgbClr val="FF0000"/>
-            </a:solidFill>
-          </a:ln>
-          <a:effectLst/>
-        </p:spPr>
-        <p:style>
-          <a:lnRef idx="2">
-            <a:schemeClr val="accent1"/>
-          </a:lnRef>
-          <a:fillRef idx="0">
-            <a:schemeClr val="accent1"/>
-          </a:fillRef>
-          <a:effectRef idx="1">
-            <a:schemeClr val="accent1"/>
-          </a:effectRef>
-          <a:fontRef idx="minor">
-            <a:schemeClr val="tx1"/>
-          </a:fontRef>
-        </p:style>
-      </p:cxnSp>
-      <p:sp>
-        <p:nvSpPr>
-          <p:cNvPr id="13" name="TextBox 12"/>
-          <p:cNvSpPr txBox="1"/>
-          <p:nvPr/>
-        </p:nvSpPr>
-        <p:spPr>
-          <a:xfrm>
-            <a:off x="4587083" y="1406596"/>
-            <a:ext cx="2474980" cy="1938992"/>
-          </a:xfrm>
-          <a:prstGeom prst="rect">
-            <a:avLst/>
-          </a:prstGeom>
-          <a:solidFill>
-            <a:schemeClr val="tx1"/>
-          </a:solidFill>
-          <a:ln>
-            <a:solidFill>
-              <a:schemeClr val="tx1"/>
-            </a:solidFill>
-          </a:ln>
-        </p:spPr>
-        <p:txBody>
-          <a:bodyPr wrap="square" rtlCol="0">
-            <a:spAutoFit/>
-          </a:bodyPr>
-          <a:lstStyle/>
-          <a:p>
-            <a:pPr algn="ctr"/>
-            <a:endParaRPr lang="en-US" sz="3000" dirty="0">
-              <a:solidFill>
-                <a:srgbClr val="3366FF"/>
-              </a:solidFill>
-            </a:endParaRPr>
-          </a:p>
-          <a:p>
-            <a:pPr algn="ctr"/>
-            <a:r>
-              <a:rPr lang="en-US" sz="3000" dirty="0">
-                <a:solidFill>
-                  <a:srgbClr val="3366FF"/>
-                </a:solidFill>
-              </a:rPr>
-              <a:t>Maxent </a:t>
-            </a:r>
-          </a:p>
-          <a:p>
-            <a:pPr algn="ctr"/>
-            <a:r>
-              <a:rPr lang="en-US" sz="3000" dirty="0">
-                <a:solidFill>
-                  <a:srgbClr val="3366FF"/>
-                </a:solidFill>
-              </a:rPr>
-              <a:t>Software</a:t>
-            </a:r>
-          </a:p>
-          <a:p>
-            <a:pPr algn="ctr"/>
-            <a:endParaRPr lang="en-US" sz="3000" dirty="0">
-              <a:solidFill>
-                <a:srgbClr val="3366FF"/>
-              </a:solidFill>
-            </a:endParaRPr>
-          </a:p>
-        </p:txBody>
-      </p:sp>
-      <p:pic>
-        <p:nvPicPr>
-          <p:cNvPr id="14" name="Picture 13" descr="temp.pdf"/>
-          <p:cNvPicPr>
-            <a:picLocks noChangeAspect="1"/>
-          </p:cNvPicPr>
-          <p:nvPr/>
-        </p:nvPicPr>
-        <p:blipFill>
-          <a:blip r:embed="rId5"/>
-          <a:srcRect l="12057" t="5611" r="44230" b="53841"/>
-          <a:stretch>
-            <a:fillRect/>
-          </a:stretch>
-        </p:blipFill>
-        <p:spPr>
-          <a:xfrm>
-            <a:off x="4864647" y="3649865"/>
-            <a:ext cx="2841089" cy="2635348"/>
-          </a:xfrm>
-          <a:prstGeom prst="rect">
-            <a:avLst/>
-          </a:prstGeom>
-        </p:spPr>
-      </p:pic>
-      <p:pic>
-        <p:nvPicPr>
-          <p:cNvPr id="15" name="Picture 14" descr="temp.pdf"/>
-          <p:cNvPicPr>
-            <a:picLocks noChangeAspect="1"/>
-          </p:cNvPicPr>
-          <p:nvPr/>
-        </p:nvPicPr>
-        <p:blipFill>
-          <a:blip r:embed="rId5"/>
-          <a:srcRect l="67365" t="50779" r="8188" b="9216"/>
-          <a:stretch>
-            <a:fillRect/>
-          </a:stretch>
-        </p:blipFill>
-        <p:spPr>
-          <a:xfrm>
-            <a:off x="7651191" y="3809778"/>
-            <a:ext cx="1553961" cy="2542900"/>
-          </a:xfrm>
-          <a:prstGeom prst="rect">
-            <a:avLst/>
-          </a:prstGeom>
-        </p:spPr>
-      </p:pic>
-      <p:sp>
-        <p:nvSpPr>
-          <p:cNvPr id="24" name="TextBox 23"/>
-          <p:cNvSpPr txBox="1"/>
-          <p:nvPr/>
-        </p:nvSpPr>
-        <p:spPr>
-          <a:xfrm>
-            <a:off x="4221279" y="4066977"/>
-            <a:ext cx="1707168" cy="461665"/>
-          </a:xfrm>
-          <a:prstGeom prst="rect">
-            <a:avLst/>
-          </a:prstGeom>
-          <a:noFill/>
-        </p:spPr>
-        <p:txBody>
-          <a:bodyPr wrap="none" rtlCol="0">
-            <a:spAutoFit/>
-          </a:bodyPr>
-          <a:lstStyle/>
-          <a:p>
-            <a:r>
-              <a:rPr lang="en-US" sz="2400" dirty="0"/>
-              <a:t>Predictions</a:t>
-            </a:r>
-          </a:p>
-        </p:txBody>
-      </p:sp>
-      <p:cxnSp>
-        <p:nvCxnSpPr>
-          <p:cNvPr id="32" name="Straight Arrow Connector 31"/>
-          <p:cNvCxnSpPr/>
-          <p:nvPr/>
-        </p:nvCxnSpPr>
-        <p:spPr>
-          <a:xfrm>
-            <a:off x="7786121" y="2330876"/>
-            <a:ext cx="0" cy="1318989"/>
-          </a:xfrm>
-          <a:prstGeom prst="straightConnector1">
-            <a:avLst/>
-          </a:prstGeom>
-          <a:ln>
-            <a:solidFill>
-              <a:srgbClr val="FF0000"/>
-            </a:solidFill>
-            <a:tailEnd type="arrow"/>
-          </a:ln>
-          <a:effectLst/>
-        </p:spPr>
-        <p:style>
-          <a:lnRef idx="3">
-            <a:schemeClr val="accent6"/>
-          </a:lnRef>
-          <a:fillRef idx="0">
-            <a:schemeClr val="accent6"/>
-          </a:fillRef>
-          <a:effectRef idx="2">
-            <a:schemeClr val="accent6"/>
-          </a:effectRef>
-          <a:fontRef idx="minor">
-            <a:schemeClr val="tx1"/>
-          </a:fontRef>
-        </p:style>
-      </p:cxnSp>
-      <p:cxnSp>
-        <p:nvCxnSpPr>
-          <p:cNvPr id="34" name="Straight Connector 33"/>
-          <p:cNvCxnSpPr/>
-          <p:nvPr/>
-        </p:nvCxnSpPr>
-        <p:spPr>
-          <a:xfrm flipH="1">
-            <a:off x="7186581" y="2330876"/>
-            <a:ext cx="631694" cy="0"/>
-          </a:xfrm>
-          <a:prstGeom prst="line">
-            <a:avLst/>
-          </a:prstGeom>
-          <a:ln>
-            <a:solidFill>
-              <a:srgbClr val="FF0000"/>
-            </a:solidFill>
-          </a:ln>
-          <a:effectLst/>
-        </p:spPr>
-        <p:style>
-          <a:lnRef idx="3">
-            <a:schemeClr val="accent6"/>
-          </a:lnRef>
-          <a:fillRef idx="0">
-            <a:schemeClr val="accent6"/>
-          </a:fillRef>
-          <a:effectRef idx="2">
-            <a:schemeClr val="accent6"/>
-          </a:effectRef>
-          <a:fontRef idx="minor">
-            <a:schemeClr val="tx1"/>
-          </a:fontRef>
-        </p:style>
-      </p:cxnSp>
-      <p:sp>
-        <p:nvSpPr>
-          <p:cNvPr id="16" name="TextBox 15"/>
-          <p:cNvSpPr txBox="1"/>
-          <p:nvPr/>
-        </p:nvSpPr>
-        <p:spPr>
-          <a:xfrm>
-            <a:off x="254525" y="0"/>
-            <a:ext cx="8229600" cy="369332"/>
-          </a:xfrm>
-          <a:prstGeom prst="rect">
-            <a:avLst/>
-          </a:prstGeom>
-          <a:noFill/>
-        </p:spPr>
-        <p:txBody>
-          <a:bodyPr wrap="square" rtlCol="0">
-            <a:spAutoFit/>
-          </a:bodyPr>
-          <a:lstStyle/>
-          <a:p>
-            <a:pPr algn="ctr"/>
-            <a:r>
-              <a:rPr lang="en-US" b="1" dirty="0" smtClean="0"/>
-              <a:t>Introduction 		</a:t>
-            </a:r>
-            <a:r>
-              <a:rPr lang="en-US" dirty="0" smtClean="0">
-                <a:solidFill>
-                  <a:schemeClr val="bg1">
-                    <a:lumMod val="85000"/>
-                  </a:schemeClr>
-                </a:solidFill>
-              </a:rPr>
-              <a:t>IPMs</a:t>
-            </a:r>
-            <a:r>
-              <a:rPr lang="en-US" dirty="0" smtClean="0">
-                <a:solidFill>
-                  <a:schemeClr val="bg1">
-                    <a:lumMod val="75000"/>
-                  </a:schemeClr>
-                </a:solidFill>
-              </a:rPr>
-              <a:t>		</a:t>
-            </a:r>
-            <a:r>
-              <a:rPr lang="en-US" b="1" dirty="0" smtClean="0"/>
-              <a:t> </a:t>
-            </a:r>
-            <a:r>
-              <a:rPr lang="en-US" dirty="0" smtClean="0">
-                <a:solidFill>
-                  <a:schemeClr val="bg1">
-                    <a:lumMod val="85000"/>
-                  </a:schemeClr>
-                </a:solidFill>
-              </a:rPr>
-              <a:t>Invasion Forecasts</a:t>
-            </a:r>
-            <a:endParaRPr lang="en-US" dirty="0">
-              <a:solidFill>
-                <a:schemeClr val="bg1">
-                  <a:lumMod val="85000"/>
-                </a:schemeClr>
-              </a:solidFill>
-            </a:endParaRPr>
-          </a:p>
-        </p:txBody>
-      </p:sp>
-    </p:spTree>
-    <p:extLst>
-      <p:ext uri="{BB962C8B-B14F-4D97-AF65-F5344CB8AC3E}">
-        <p14:creationId xmlns:p14="http://schemas.microsoft.com/office/powerpoint/2010/main" val="1763397031"/>
-      </p:ext>
-    </p:extLst>
-  </p:cSld>
-  <p:clrMapOvr>
-    <a:masterClrMapping/>
-  </p:clrMapOvr>
-  <p:timing>
-    <p:tnLst>
-      <p:par>
-        <p:cTn id="1" dur="indefinite" restart="never" nodeType="tmRoot"/>
-      </p:par>
-    </p:tnLst>
-  </p:timing>
-</p:sld>
-</file>
-
-<file path=ppt/slides/slide3.xml><?xml version="1.0" encoding="utf-8"?>
-<p:sld xmlns:a="http://schemas.openxmlformats.org/drawingml/2006/main" xmlns:r="http://schemas.openxmlformats.org/officeDocument/2006/relationships" xmlns:p="http://schemas.openxmlformats.org/presentationml/2006/main">
-  <p:cSld>
-    <p:spTree>
-      <p:nvGrpSpPr>
-        <p:cNvPr id="1" name=""/>
-        <p:cNvGrpSpPr/>
-        <p:nvPr/>
-      </p:nvGrpSpPr>
-      <p:grpSpPr>
-        <a:xfrm>
-          <a:off x="0" y="0"/>
-          <a:ext cx="0" cy="0"/>
-          <a:chOff x="0" y="0"/>
-          <a:chExt cx="0" cy="0"/>
-        </a:xfrm>
-      </p:grpSpPr>
-      <p:sp>
-        <p:nvSpPr>
-          <p:cNvPr id="2" name="Title 1"/>
-          <p:cNvSpPr>
-            <a:spLocks noGrp="1"/>
-          </p:cNvSpPr>
-          <p:nvPr>
-            <p:ph type="title"/>
-          </p:nvPr>
-        </p:nvSpPr>
-        <p:spPr/>
-        <p:txBody>
-          <a:bodyPr/>
-          <a:lstStyle/>
-          <a:p>
-            <a:r>
-              <a:rPr lang="en-US" dirty="0" smtClean="0"/>
-              <a:t>Case Study – </a:t>
-            </a:r>
-            <a:r>
-              <a:rPr lang="en-US" i="1" dirty="0" smtClean="0"/>
-              <a:t>Mustards</a:t>
-            </a:r>
-            <a:endParaRPr lang="en-US" dirty="0"/>
-          </a:p>
-        </p:txBody>
-      </p:sp>
-      <p:pic>
-        <p:nvPicPr>
-          <p:cNvPr id="11" name="Picture 10" descr="Alliaria_petiolata_-_garlic_mustard_-_desc-flowers_buds_seedpods.jpg"/>
-          <p:cNvPicPr>
-            <a:picLocks noChangeAspect="1"/>
-          </p:cNvPicPr>
-          <p:nvPr/>
-        </p:nvPicPr>
-        <p:blipFill>
-          <a:blip r:embed="rId3">
-            <a:extLst>
-              <a:ext uri="{28A0092B-C50C-407E-A947-70E740481C1C}">
-                <a14:useLocalDpi xmlns:a14="http://schemas.microsoft.com/office/drawing/2010/main" val="0"/>
-              </a:ext>
-            </a:extLst>
-          </a:blip>
-          <a:stretch>
-            <a:fillRect/>
-          </a:stretch>
-        </p:blipFill>
-        <p:spPr>
-          <a:xfrm>
-            <a:off x="3404932" y="3323455"/>
-            <a:ext cx="2588029" cy="2358204"/>
-          </a:xfrm>
-          <a:prstGeom prst="rect">
-            <a:avLst/>
-          </a:prstGeom>
-          <a:ln w="38100" cmpd="sng">
-            <a:solidFill>
-              <a:srgbClr val="595959"/>
-            </a:solidFill>
-          </a:ln>
-        </p:spPr>
-      </p:pic>
-      <p:pic>
-        <p:nvPicPr>
-          <p:cNvPr id="16" name="Picture 15" descr="usa_map.gif"/>
-          <p:cNvPicPr>
-            <a:picLocks noChangeAspect="1"/>
-          </p:cNvPicPr>
-          <p:nvPr/>
-        </p:nvPicPr>
-        <p:blipFill>
-          <a:blip r:embed="rId4">
-            <a:extLst>
-              <a:ext uri="{28A0092B-C50C-407E-A947-70E740481C1C}">
-                <a14:useLocalDpi xmlns:a14="http://schemas.microsoft.com/office/drawing/2010/main" val="0"/>
-              </a:ext>
-            </a:extLst>
-          </a:blip>
-          <a:stretch>
-            <a:fillRect/>
-          </a:stretch>
-        </p:blipFill>
-        <p:spPr>
-          <a:xfrm>
-            <a:off x="564392" y="2185287"/>
-            <a:ext cx="2089566" cy="1354328"/>
-          </a:xfrm>
-          <a:prstGeom prst="rect">
-            <a:avLst/>
-          </a:prstGeom>
-        </p:spPr>
-      </p:pic>
-      <p:sp>
-        <p:nvSpPr>
-          <p:cNvPr id="18" name="Rounded Rectangle 17"/>
-          <p:cNvSpPr/>
-          <p:nvPr/>
-        </p:nvSpPr>
-        <p:spPr>
-          <a:xfrm>
-            <a:off x="2358616" y="2185287"/>
-            <a:ext cx="295342" cy="530082"/>
-          </a:xfrm>
-          <a:prstGeom prst="roundRect">
-            <a:avLst/>
-          </a:prstGeom>
-          <a:noFill/>
-          <a:ln w="38100" cmpd="sng">
-            <a:solidFill>
-              <a:schemeClr val="tx1">
-                <a:lumMod val="85000"/>
-                <a:lumOff val="15000"/>
-              </a:schemeClr>
-            </a:solidFill>
-          </a:ln>
-        </p:spPr>
-        <p:style>
-          <a:lnRef idx="1">
-            <a:schemeClr val="accent1"/>
-          </a:lnRef>
-          <a:fillRef idx="3">
-            <a:schemeClr val="accent1"/>
-          </a:fillRef>
-          <a:effectRef idx="2">
-            <a:schemeClr val="accent1"/>
-          </a:effectRef>
-          <a:fontRef idx="minor">
-            <a:schemeClr val="lt1"/>
-          </a:fontRef>
-        </p:style>
-        <p:txBody>
-          <a:bodyPr rtlCol="0" anchor="ctr"/>
-          <a:lstStyle/>
-          <a:p>
-            <a:pPr algn="ctr"/>
-            <a:endParaRPr lang="en-US"/>
-          </a:p>
-        </p:txBody>
-      </p:sp>
-      <p:pic>
-        <p:nvPicPr>
-          <p:cNvPr id="19" name="Picture 18" descr="Screen Shot 2013-03-16 at 10.21.07 PM.png"/>
-          <p:cNvPicPr>
-            <a:picLocks noChangeAspect="1"/>
-          </p:cNvPicPr>
-          <p:nvPr/>
-        </p:nvPicPr>
-        <p:blipFill>
-          <a:blip r:embed="rId5">
-            <a:extLst>
-              <a:ext uri="{28A0092B-C50C-407E-A947-70E740481C1C}">
-                <a14:useLocalDpi xmlns:a14="http://schemas.microsoft.com/office/drawing/2010/main" val="0"/>
-              </a:ext>
-            </a:extLst>
-          </a:blip>
-          <a:stretch>
-            <a:fillRect/>
-          </a:stretch>
-        </p:blipFill>
-        <p:spPr>
-          <a:xfrm rot="5400000">
-            <a:off x="448003" y="3515868"/>
-            <a:ext cx="2137202" cy="2184696"/>
-          </a:xfrm>
-          <a:prstGeom prst="rect">
-            <a:avLst/>
-          </a:prstGeom>
-        </p:spPr>
-      </p:pic>
-      <p:sp>
-        <p:nvSpPr>
-          <p:cNvPr id="3" name="TextBox 2"/>
-          <p:cNvSpPr txBox="1"/>
-          <p:nvPr/>
-        </p:nvSpPr>
-        <p:spPr>
-          <a:xfrm>
-            <a:off x="3501025" y="1935685"/>
-            <a:ext cx="2373758" cy="1200328"/>
-          </a:xfrm>
-          <a:prstGeom prst="rect">
-            <a:avLst/>
-          </a:prstGeom>
-          <a:noFill/>
-        </p:spPr>
-        <p:txBody>
-          <a:bodyPr wrap="none" rtlCol="0">
-            <a:spAutoFit/>
-          </a:bodyPr>
-          <a:lstStyle/>
-          <a:p>
-            <a:pPr algn="ctr"/>
-            <a:r>
-              <a:rPr lang="en-US" sz="2400" b="1" dirty="0" smtClean="0"/>
-              <a:t>Invasive</a:t>
-            </a:r>
-          </a:p>
-          <a:p>
-            <a:pPr algn="ctr"/>
-            <a:r>
-              <a:rPr lang="en-US" sz="2400" dirty="0" smtClean="0"/>
-              <a:t>Garlic Mustard </a:t>
-            </a:r>
-          </a:p>
-          <a:p>
-            <a:pPr algn="ctr"/>
-            <a:r>
-              <a:rPr lang="en-US" sz="2400" i="1" dirty="0" err="1" smtClean="0"/>
-              <a:t>Alliaria</a:t>
-            </a:r>
-            <a:r>
-              <a:rPr lang="en-US" sz="2400" i="1" dirty="0" smtClean="0"/>
-              <a:t> </a:t>
-            </a:r>
-            <a:r>
-              <a:rPr lang="en-US" sz="2400" i="1" dirty="0" err="1" smtClean="0"/>
-              <a:t>petiolata</a:t>
-            </a:r>
-            <a:endParaRPr lang="en-US" sz="2400" dirty="0"/>
-          </a:p>
-        </p:txBody>
-      </p:sp>
-      <p:pic>
-        <p:nvPicPr>
-          <p:cNvPr id="6" name="Picture 5" descr="Tower_Mustard_in_Worcs_2_(c)_Tim_Wilkins_Plantlife_lo-res.jpg"/>
-          <p:cNvPicPr>
-            <a:picLocks noChangeAspect="1"/>
-          </p:cNvPicPr>
-          <p:nvPr/>
-        </p:nvPicPr>
-        <p:blipFill>
-          <a:blip r:embed="rId6" cstate="print">
-            <a:extLst>
-              <a:ext uri="{28A0092B-C50C-407E-A947-70E740481C1C}">
-                <a14:useLocalDpi xmlns:a14="http://schemas.microsoft.com/office/drawing/2010/main" val="0"/>
-              </a:ext>
-            </a:extLst>
-          </a:blip>
-          <a:stretch>
-            <a:fillRect/>
-          </a:stretch>
-        </p:blipFill>
-        <p:spPr>
-          <a:xfrm>
-            <a:off x="6729678" y="3285011"/>
-            <a:ext cx="1836700" cy="2451113"/>
-          </a:xfrm>
-          <a:prstGeom prst="rect">
-            <a:avLst/>
-          </a:prstGeom>
-          <a:ln w="28575" cmpd="sng">
-            <a:solidFill>
-              <a:schemeClr val="bg1">
-                <a:lumMod val="65000"/>
-              </a:schemeClr>
-            </a:solidFill>
-          </a:ln>
-        </p:spPr>
-      </p:pic>
-      <p:sp>
-        <p:nvSpPr>
-          <p:cNvPr id="9" name="TextBox 8"/>
-          <p:cNvSpPr txBox="1"/>
-          <p:nvPr/>
-        </p:nvSpPr>
-        <p:spPr>
-          <a:xfrm>
-            <a:off x="6483853" y="1979684"/>
-            <a:ext cx="2202947" cy="1200328"/>
-          </a:xfrm>
-          <a:prstGeom prst="rect">
-            <a:avLst/>
-          </a:prstGeom>
-          <a:noFill/>
-        </p:spPr>
-        <p:txBody>
-          <a:bodyPr wrap="none" rtlCol="0">
-            <a:spAutoFit/>
-          </a:bodyPr>
-          <a:lstStyle/>
-          <a:p>
-            <a:pPr algn="ctr"/>
-            <a:r>
-              <a:rPr lang="en-US" sz="2400" b="1" dirty="0" smtClean="0"/>
-              <a:t>Native</a:t>
-            </a:r>
-          </a:p>
-          <a:p>
-            <a:pPr algn="ctr"/>
-            <a:r>
-              <a:rPr lang="en-US" sz="2400" dirty="0" smtClean="0"/>
-              <a:t>Tower Mustard</a:t>
-            </a:r>
-          </a:p>
-          <a:p>
-            <a:pPr algn="ctr"/>
-            <a:r>
-              <a:rPr lang="en-US" sz="2400" dirty="0" smtClean="0"/>
-              <a:t> </a:t>
-            </a:r>
-            <a:r>
-              <a:rPr lang="en-US" sz="2400" i="1" dirty="0" err="1" smtClean="0"/>
-              <a:t>Arabis</a:t>
-            </a:r>
-            <a:r>
-              <a:rPr lang="en-US" sz="2400" i="1" dirty="0" smtClean="0"/>
-              <a:t> </a:t>
-            </a:r>
-            <a:r>
-              <a:rPr lang="en-US" sz="2400" i="1" dirty="0" err="1" smtClean="0"/>
-              <a:t>glabra</a:t>
-            </a:r>
-            <a:endParaRPr lang="en-US" sz="2400" i="1" dirty="0"/>
-          </a:p>
-        </p:txBody>
-      </p:sp>
-    </p:spTree>
-    <p:extLst>
-      <p:ext uri="{BB962C8B-B14F-4D97-AF65-F5344CB8AC3E}">
-        <p14:creationId xmlns:p14="http://schemas.microsoft.com/office/powerpoint/2010/main" val="1081794426"/>
-      </p:ext>
-    </p:extLst>
-  </p:cSld>
-  <p:clrMapOvr>
-    <a:masterClrMapping/>
-  </p:clrMapOvr>
-  <mc:AlternateContent xmlns:mc="http://schemas.openxmlformats.org/markup-compatibility/2006" xmlns:p14="http://schemas.microsoft.com/office/powerpoint/2010/main">
-    <mc:Choice Requires="p14">
-      <p:transition spd="slow" p14:dur="2000" advTm="13747"/>
-    </mc:Choice>
-    <mc:Fallback xmlns="">
-      <p:transition xmlns:p14="http://schemas.microsoft.com/office/powerpoint/2010/main" spd="slow" advTm="13747"/>
-    </mc:Fallback>
-  </mc:AlternateContent>
-  <p:timing>
-    <p:tnLst>
-      <p:par>
-        <p:cTn id="1" dur="indefinite" restart="never" nodeType="tmRoot"/>
-      </p:par>
-    </p:tnLst>
-  </p:timing>
-</p:sld>
-</file>
-
-<file path=ppt/slides/slide4.xml><?xml version="1.0" encoding="utf-8"?>
+<file path=ppt/slides/slide10.xml><?xml version="1.0" encoding="utf-8"?>
 <p:sld xmlns:a="http://schemas.openxmlformats.org/drawingml/2006/main" xmlns:r="http://schemas.openxmlformats.org/officeDocument/2006/relationships" xmlns:p="http://schemas.openxmlformats.org/presentationml/2006/main">
   <p:cSld>
     <p:spTree>
@@ -6015,7 +6098,7 @@
 </p:sld>
 </file>
 
-<file path=ppt/slides/slide5.xml><?xml version="1.0" encoding="utf-8"?>
+<file path=ppt/slides/slide11.xml><?xml version="1.0" encoding="utf-8"?>
 <p:sld xmlns:a="http://schemas.openxmlformats.org/drawingml/2006/main" xmlns:r="http://schemas.openxmlformats.org/officeDocument/2006/relationships" xmlns:p="http://schemas.openxmlformats.org/presentationml/2006/main">
   <p:cSld>
     <p:spTree>
@@ -6328,66 +6411,6 @@
           </a:p>
         </p:txBody>
       </p:sp>
-      <p:sp>
-        <p:nvSpPr>
-          <p:cNvPr id="12" name="TextBox 11"/>
-          <p:cNvSpPr txBox="1"/>
-          <p:nvPr/>
-        </p:nvSpPr>
-        <p:spPr>
-          <a:xfrm>
-            <a:off x="308610" y="0"/>
-            <a:ext cx="8686800" cy="369332"/>
-          </a:xfrm>
-          <a:prstGeom prst="rect">
-            <a:avLst/>
-          </a:prstGeom>
-          <a:noFill/>
-          <a:ln>
-            <a:noFill/>
-          </a:ln>
-        </p:spPr>
-        <p:txBody>
-          <a:bodyPr wrap="square" rtlCol="0">
-            <a:spAutoFit/>
-          </a:bodyPr>
-          <a:lstStyle/>
-          <a:p>
-            <a:pPr algn="ctr"/>
-            <a:r>
-              <a:rPr lang="en-US" dirty="0" smtClean="0">
-                <a:solidFill>
-                  <a:schemeClr val="bg1">
-                    <a:lumMod val="85000"/>
-                  </a:schemeClr>
-                </a:solidFill>
-              </a:rPr>
-              <a:t>Global Change      </a:t>
-            </a:r>
-            <a:r>
-              <a:rPr lang="en-US" b="1" dirty="0" smtClean="0"/>
-              <a:t>Demography</a:t>
-            </a:r>
-            <a:r>
-              <a:rPr lang="en-US" dirty="0" smtClean="0">
-                <a:solidFill>
-                  <a:schemeClr val="bg1">
-                    <a:lumMod val="85000"/>
-                  </a:schemeClr>
-                </a:solidFill>
-              </a:rPr>
-              <a:t>        Biodiversity       Communities         Synthesis</a:t>
-            </a:r>
-            <a:endParaRPr lang="en-US" dirty="0">
-              <a:solidFill>
-                <a:schemeClr val="bg1">
-                  <a:lumMod val="85000"/>
-                </a:schemeClr>
-              </a:solidFill>
-            </a:endParaRPr>
-          </a:p>
-        </p:txBody>
-      </p:sp>
     </p:spTree>
     <p:extLst>
       <p:ext uri="{BB962C8B-B14F-4D97-AF65-F5344CB8AC3E}">
@@ -6416,7 +6439,7 @@
 </p:sld>
 </file>
 
-<file path=ppt/slides/slide6.xml><?xml version="1.0" encoding="utf-8"?>
+<file path=ppt/slides/slide12.xml><?xml version="1.0" encoding="utf-8"?>
 <p:sld xmlns:a="http://schemas.openxmlformats.org/drawingml/2006/main" xmlns:r="http://schemas.openxmlformats.org/officeDocument/2006/relationships" xmlns:p="http://schemas.openxmlformats.org/presentationml/2006/main">
   <p:cSld>
     <p:spTree>
@@ -6617,66 +6640,6 @@
       </p:pic>
       <p:sp>
         <p:nvSpPr>
-          <p:cNvPr id="18" name="TextBox 17"/>
-          <p:cNvSpPr txBox="1"/>
-          <p:nvPr/>
-        </p:nvSpPr>
-        <p:spPr>
-          <a:xfrm>
-            <a:off x="308610" y="0"/>
-            <a:ext cx="8686800" cy="369332"/>
-          </a:xfrm>
-          <a:prstGeom prst="rect">
-            <a:avLst/>
-          </a:prstGeom>
-          <a:noFill/>
-          <a:ln>
-            <a:noFill/>
-          </a:ln>
-        </p:spPr>
-        <p:txBody>
-          <a:bodyPr wrap="square" rtlCol="0">
-            <a:spAutoFit/>
-          </a:bodyPr>
-          <a:lstStyle/>
-          <a:p>
-            <a:pPr algn="ctr"/>
-            <a:r>
-              <a:rPr lang="en-US" dirty="0" smtClean="0">
-                <a:solidFill>
-                  <a:schemeClr val="bg1">
-                    <a:lumMod val="85000"/>
-                  </a:schemeClr>
-                </a:solidFill>
-              </a:rPr>
-              <a:t>Global Change      </a:t>
-            </a:r>
-            <a:r>
-              <a:rPr lang="en-US" b="1" dirty="0" smtClean="0"/>
-              <a:t>Demography</a:t>
-            </a:r>
-            <a:r>
-              <a:rPr lang="en-US" dirty="0" smtClean="0">
-                <a:solidFill>
-                  <a:schemeClr val="bg1">
-                    <a:lumMod val="85000"/>
-                  </a:schemeClr>
-                </a:solidFill>
-              </a:rPr>
-              <a:t>        Biodiversity       Communities         Synthesis</a:t>
-            </a:r>
-            <a:endParaRPr lang="en-US" dirty="0">
-              <a:solidFill>
-                <a:schemeClr val="bg1">
-                  <a:lumMod val="85000"/>
-                </a:schemeClr>
-              </a:solidFill>
-            </a:endParaRPr>
-          </a:p>
-        </p:txBody>
-      </p:sp>
-      <p:sp>
-        <p:nvSpPr>
           <p:cNvPr id="19" name="TextBox 18"/>
           <p:cNvSpPr txBox="1"/>
           <p:nvPr/>
@@ -6739,6 +6702,2767 @@
   <p:clrMapOvr>
     <a:masterClrMapping/>
   </p:clrMapOvr>
+  <p:timing>
+    <p:tnLst>
+      <p:par>
+        <p:cTn id="1" dur="indefinite" restart="never" nodeType="tmRoot"/>
+      </p:par>
+    </p:tnLst>
+  </p:timing>
+</p:sld>
+</file>
+
+<file path=ppt/slides/slide2.xml><?xml version="1.0" encoding="utf-8"?>
+<p:sld xmlns:a="http://schemas.openxmlformats.org/drawingml/2006/main" xmlns:r="http://schemas.openxmlformats.org/officeDocument/2006/relationships" xmlns:p="http://schemas.openxmlformats.org/presentationml/2006/main">
+  <p:cSld>
+    <p:spTree>
+      <p:nvGrpSpPr>
+        <p:cNvPr id="1" name=""/>
+        <p:cNvGrpSpPr/>
+        <p:nvPr/>
+      </p:nvGrpSpPr>
+      <p:grpSpPr>
+        <a:xfrm>
+          <a:off x="0" y="0"/>
+          <a:ext cx="0" cy="0"/>
+          <a:chOff x="0" y="0"/>
+          <a:chExt cx="0" cy="0"/>
+        </a:xfrm>
+      </p:grpSpPr>
+      <p:pic>
+        <p:nvPicPr>
+          <p:cNvPr id="21" name="Picture 20" descr="Screen Shot 2013-04-23 at 4.25.48 PM.png"/>
+          <p:cNvPicPr>
+            <a:picLocks noChangeAspect="1"/>
+          </p:cNvPicPr>
+          <p:nvPr/>
+        </p:nvPicPr>
+        <p:blipFill>
+          <a:blip r:embed="rId3">
+            <a:extLst>
+              <a:ext uri="{28A0092B-C50C-407E-A947-70E740481C1C}">
+                <a14:useLocalDpi xmlns:a14="http://schemas.microsoft.com/office/drawing/2010/main"/>
+              </a:ext>
+            </a:extLst>
+          </a:blip>
+          <a:stretch>
+            <a:fillRect/>
+          </a:stretch>
+        </p:blipFill>
+        <p:spPr>
+          <a:xfrm>
+            <a:off x="4360685" y="4166356"/>
+            <a:ext cx="3698746" cy="1725811"/>
+          </a:xfrm>
+          <a:prstGeom prst="rect">
+            <a:avLst/>
+          </a:prstGeom>
+        </p:spPr>
+      </p:pic>
+      <p:pic>
+        <p:nvPicPr>
+          <p:cNvPr id="18" name="Picture 17" descr="Screen Shot 2013-03-14 at 10.29.46 PM.png"/>
+          <p:cNvPicPr>
+            <a:picLocks noChangeAspect="1"/>
+          </p:cNvPicPr>
+          <p:nvPr/>
+        </p:nvPicPr>
+        <p:blipFill rotWithShape="1">
+          <a:blip r:embed="rId4">
+            <a:extLst>
+              <a:ext uri="{28A0092B-C50C-407E-A947-70E740481C1C}">
+                <a14:useLocalDpi xmlns:a14="http://schemas.microsoft.com/office/drawing/2010/main"/>
+              </a:ext>
+            </a:extLst>
+          </a:blip>
+          <a:srcRect/>
+          <a:stretch/>
+        </p:blipFill>
+        <p:spPr>
+          <a:xfrm>
+            <a:off x="204437" y="4539245"/>
+            <a:ext cx="3443299" cy="1648323"/>
+          </a:xfrm>
+          <a:prstGeom prst="rect">
+            <a:avLst/>
+          </a:prstGeom>
+        </p:spPr>
+      </p:pic>
+      <p:sp>
+        <p:nvSpPr>
+          <p:cNvPr id="2" name="Title 1"/>
+          <p:cNvSpPr>
+            <a:spLocks noGrp="1"/>
+          </p:cNvSpPr>
+          <p:nvPr>
+            <p:ph type="title"/>
+          </p:nvPr>
+        </p:nvSpPr>
+        <p:spPr>
+          <a:xfrm>
+            <a:off x="659114" y="385768"/>
+            <a:ext cx="8004298" cy="1039828"/>
+          </a:xfrm>
+        </p:spPr>
+        <p:txBody>
+          <a:bodyPr/>
+          <a:lstStyle/>
+          <a:p>
+            <a:r>
+              <a:rPr lang="en-US" dirty="0" smtClean="0"/>
+              <a:t>Occurrence Models</a:t>
+            </a:r>
+            <a:endParaRPr lang="en-US" dirty="0"/>
+          </a:p>
+        </p:txBody>
+      </p:sp>
+      <p:cxnSp>
+        <p:nvCxnSpPr>
+          <p:cNvPr id="5" name="Straight Arrow Connector 4"/>
+          <p:cNvCxnSpPr/>
+          <p:nvPr/>
+        </p:nvCxnSpPr>
+        <p:spPr>
+          <a:xfrm>
+            <a:off x="3082239" y="2444261"/>
+            <a:ext cx="1403624" cy="0"/>
+          </a:xfrm>
+          <a:prstGeom prst="straightConnector1">
+            <a:avLst/>
+          </a:prstGeom>
+          <a:ln w="63500">
+            <a:solidFill>
+              <a:srgbClr val="FF6600"/>
+            </a:solidFill>
+            <a:tailEnd type="arrow"/>
+          </a:ln>
+          <a:effectLst/>
+        </p:spPr>
+        <p:style>
+          <a:lnRef idx="2">
+            <a:schemeClr val="accent1"/>
+          </a:lnRef>
+          <a:fillRef idx="0">
+            <a:schemeClr val="accent1"/>
+          </a:fillRef>
+          <a:effectRef idx="1">
+            <a:schemeClr val="accent1"/>
+          </a:effectRef>
+          <a:fontRef idx="minor">
+            <a:schemeClr val="tx1"/>
+          </a:fontRef>
+        </p:style>
+      </p:cxnSp>
+      <p:sp>
+        <p:nvSpPr>
+          <p:cNvPr id="9" name="TextBox 8"/>
+          <p:cNvSpPr txBox="1"/>
+          <p:nvPr/>
+        </p:nvSpPr>
+        <p:spPr>
+          <a:xfrm>
+            <a:off x="1040708" y="4093958"/>
+            <a:ext cx="1908961" cy="830997"/>
+          </a:xfrm>
+          <a:prstGeom prst="rect">
+            <a:avLst/>
+          </a:prstGeom>
+          <a:noFill/>
+        </p:spPr>
+        <p:txBody>
+          <a:bodyPr wrap="square" rtlCol="0">
+            <a:spAutoFit/>
+          </a:bodyPr>
+          <a:lstStyle/>
+          <a:p>
+            <a:r>
+              <a:rPr lang="en-US" sz="2400" dirty="0"/>
+              <a:t>Annual Precipitation</a:t>
+            </a:r>
+          </a:p>
+        </p:txBody>
+      </p:sp>
+      <p:sp>
+        <p:nvSpPr>
+          <p:cNvPr id="11" name="TextBox 10"/>
+          <p:cNvSpPr txBox="1"/>
+          <p:nvPr/>
+        </p:nvSpPr>
+        <p:spPr>
+          <a:xfrm>
+            <a:off x="1298289" y="1727570"/>
+            <a:ext cx="1651381" cy="830997"/>
+          </a:xfrm>
+          <a:prstGeom prst="rect">
+            <a:avLst/>
+          </a:prstGeom>
+          <a:solidFill>
+            <a:schemeClr val="bg1"/>
+          </a:solidFill>
+        </p:spPr>
+        <p:txBody>
+          <a:bodyPr wrap="square" rtlCol="0">
+            <a:spAutoFit/>
+          </a:bodyPr>
+          <a:lstStyle/>
+          <a:p>
+            <a:r>
+              <a:rPr lang="en-US" sz="2400" dirty="0" smtClean="0"/>
+              <a:t>Presences</a:t>
+            </a:r>
+          </a:p>
+          <a:p>
+            <a:endParaRPr lang="en-US" sz="2400" dirty="0"/>
+          </a:p>
+        </p:txBody>
+      </p:sp>
+      <p:sp>
+        <p:nvSpPr>
+          <p:cNvPr id="13" name="TextBox 12"/>
+          <p:cNvSpPr txBox="1"/>
+          <p:nvPr/>
+        </p:nvSpPr>
+        <p:spPr>
+          <a:xfrm>
+            <a:off x="9711907" y="758074"/>
+            <a:ext cx="2474980" cy="1938992"/>
+          </a:xfrm>
+          <a:prstGeom prst="rect">
+            <a:avLst/>
+          </a:prstGeom>
+          <a:solidFill>
+            <a:schemeClr val="tx1"/>
+          </a:solidFill>
+          <a:ln w="38100" cmpd="sng">
+            <a:solidFill>
+              <a:schemeClr val="accent1"/>
+            </a:solidFill>
+          </a:ln>
+        </p:spPr>
+        <p:txBody>
+          <a:bodyPr wrap="square" rtlCol="0">
+            <a:spAutoFit/>
+          </a:bodyPr>
+          <a:lstStyle/>
+          <a:p>
+            <a:pPr algn="ctr"/>
+            <a:endParaRPr lang="en-US" sz="3000" dirty="0">
+              <a:solidFill>
+                <a:srgbClr val="FF6600"/>
+              </a:solidFill>
+            </a:endParaRPr>
+          </a:p>
+          <a:p>
+            <a:pPr algn="ctr"/>
+            <a:r>
+              <a:rPr lang="en-US" sz="3000" dirty="0">
+                <a:solidFill>
+                  <a:srgbClr val="FF6600"/>
+                </a:solidFill>
+              </a:rPr>
+              <a:t>Maxent </a:t>
+            </a:r>
+          </a:p>
+          <a:p>
+            <a:pPr algn="ctr"/>
+            <a:r>
+              <a:rPr lang="en-US" sz="3000" dirty="0">
+                <a:solidFill>
+                  <a:srgbClr val="FF6600"/>
+                </a:solidFill>
+              </a:rPr>
+              <a:t>Software</a:t>
+            </a:r>
+          </a:p>
+          <a:p>
+            <a:pPr algn="ctr"/>
+            <a:endParaRPr lang="en-US" sz="3000" dirty="0">
+              <a:solidFill>
+                <a:srgbClr val="FF6600"/>
+              </a:solidFill>
+            </a:endParaRPr>
+          </a:p>
+        </p:txBody>
+      </p:sp>
+      <p:cxnSp>
+        <p:nvCxnSpPr>
+          <p:cNvPr id="34" name="Straight Connector 33"/>
+          <p:cNvCxnSpPr/>
+          <p:nvPr/>
+        </p:nvCxnSpPr>
+        <p:spPr>
+          <a:xfrm flipH="1">
+            <a:off x="7195336" y="2658409"/>
+            <a:ext cx="631694" cy="0"/>
+          </a:xfrm>
+          <a:prstGeom prst="line">
+            <a:avLst/>
+          </a:prstGeom>
+          <a:ln w="57150" cmpd="sng">
+            <a:solidFill>
+              <a:srgbClr val="FF6600"/>
+            </a:solidFill>
+          </a:ln>
+          <a:effectLst/>
+        </p:spPr>
+        <p:style>
+          <a:lnRef idx="3">
+            <a:schemeClr val="accent6"/>
+          </a:lnRef>
+          <a:fillRef idx="0">
+            <a:schemeClr val="accent6"/>
+          </a:fillRef>
+          <a:effectRef idx="2">
+            <a:schemeClr val="accent6"/>
+          </a:effectRef>
+          <a:fontRef idx="minor">
+            <a:schemeClr val="tx1"/>
+          </a:fontRef>
+        </p:style>
+      </p:cxnSp>
+      <p:sp>
+        <p:nvSpPr>
+          <p:cNvPr id="20" name="TextBox 19"/>
+          <p:cNvSpPr txBox="1"/>
+          <p:nvPr/>
+        </p:nvSpPr>
+        <p:spPr>
+          <a:xfrm>
+            <a:off x="5454435" y="4353413"/>
+            <a:ext cx="1707168" cy="461665"/>
+          </a:xfrm>
+          <a:prstGeom prst="rect">
+            <a:avLst/>
+          </a:prstGeom>
+          <a:noFill/>
+        </p:spPr>
+        <p:txBody>
+          <a:bodyPr wrap="none" rtlCol="0">
+            <a:spAutoFit/>
+          </a:bodyPr>
+          <a:lstStyle/>
+          <a:p>
+            <a:r>
+              <a:rPr lang="en-US" sz="2400" dirty="0"/>
+              <a:t>Predictions</a:t>
+            </a:r>
+          </a:p>
+        </p:txBody>
+      </p:sp>
+      <p:cxnSp>
+        <p:nvCxnSpPr>
+          <p:cNvPr id="22" name="Straight Arrow Connector 21"/>
+          <p:cNvCxnSpPr/>
+          <p:nvPr/>
+        </p:nvCxnSpPr>
+        <p:spPr>
+          <a:xfrm flipV="1">
+            <a:off x="3082239" y="2558567"/>
+            <a:ext cx="1403624" cy="1791644"/>
+          </a:xfrm>
+          <a:prstGeom prst="straightConnector1">
+            <a:avLst/>
+          </a:prstGeom>
+          <a:ln w="63500">
+            <a:solidFill>
+              <a:srgbClr val="FF6600"/>
+            </a:solidFill>
+            <a:tailEnd type="arrow"/>
+          </a:ln>
+          <a:effectLst/>
+        </p:spPr>
+        <p:style>
+          <a:lnRef idx="2">
+            <a:schemeClr val="accent1"/>
+          </a:lnRef>
+          <a:fillRef idx="0">
+            <a:schemeClr val="accent1"/>
+          </a:fillRef>
+          <a:effectRef idx="1">
+            <a:schemeClr val="accent1"/>
+          </a:effectRef>
+          <a:fontRef idx="minor">
+            <a:schemeClr val="tx1"/>
+          </a:fontRef>
+        </p:style>
+      </p:cxnSp>
+      <p:pic>
+        <p:nvPicPr>
+          <p:cNvPr id="16" name="Picture 15" descr="temp.pdf"/>
+          <p:cNvPicPr>
+            <a:picLocks noChangeAspect="1"/>
+          </p:cNvPicPr>
+          <p:nvPr/>
+        </p:nvPicPr>
+        <p:blipFill>
+          <a:blip r:embed="rId5">
+            <a:extLst>
+              <a:ext uri="{28A0092B-C50C-407E-A947-70E740481C1C}">
+                <a14:useLocalDpi xmlns:a14="http://schemas.microsoft.com/office/drawing/2010/main"/>
+              </a:ext>
+            </a:extLst>
+          </a:blip>
+          <a:srcRect t="14186" r="6580" b="12063"/>
+          <a:stretch>
+            <a:fillRect/>
+          </a:stretch>
+        </p:blipFill>
+        <p:spPr>
+          <a:xfrm>
+            <a:off x="204437" y="1988916"/>
+            <a:ext cx="3386489" cy="1701554"/>
+          </a:xfrm>
+          <a:prstGeom prst="rect">
+            <a:avLst/>
+          </a:prstGeom>
+          <a:effectLst/>
+        </p:spPr>
+      </p:pic>
+      <p:cxnSp>
+        <p:nvCxnSpPr>
+          <p:cNvPr id="29" name="Straight Arrow Connector 28"/>
+          <p:cNvCxnSpPr/>
+          <p:nvPr/>
+        </p:nvCxnSpPr>
+        <p:spPr>
+          <a:xfrm>
+            <a:off x="7811532" y="2642911"/>
+            <a:ext cx="0" cy="1266568"/>
+          </a:xfrm>
+          <a:prstGeom prst="straightConnector1">
+            <a:avLst/>
+          </a:prstGeom>
+          <a:ln w="63500">
+            <a:solidFill>
+              <a:srgbClr val="FF6600"/>
+            </a:solidFill>
+            <a:tailEnd type="arrow"/>
+          </a:ln>
+          <a:effectLst/>
+        </p:spPr>
+        <p:style>
+          <a:lnRef idx="2">
+            <a:schemeClr val="accent1"/>
+          </a:lnRef>
+          <a:fillRef idx="0">
+            <a:schemeClr val="accent1"/>
+          </a:fillRef>
+          <a:effectRef idx="1">
+            <a:schemeClr val="accent1"/>
+          </a:effectRef>
+          <a:fontRef idx="minor">
+            <a:schemeClr val="tx1"/>
+          </a:fontRef>
+        </p:style>
+      </p:cxnSp>
+      <p:pic>
+        <p:nvPicPr>
+          <p:cNvPr id="28" name="Picture 27" descr="Screen Shot 2012-01-05 at 10.40.28 PM.png"/>
+          <p:cNvPicPr>
+            <a:picLocks noChangeAspect="1"/>
+          </p:cNvPicPr>
+          <p:nvPr/>
+        </p:nvPicPr>
+        <p:blipFill>
+          <a:blip r:embed="rId6">
+            <a:extLst>
+              <a:ext uri="{28A0092B-C50C-407E-A947-70E740481C1C}">
+                <a14:useLocalDpi xmlns:a14="http://schemas.microsoft.com/office/drawing/2010/main"/>
+              </a:ext>
+            </a:extLst>
+          </a:blip>
+          <a:stretch>
+            <a:fillRect/>
+          </a:stretch>
+        </p:blipFill>
+        <p:spPr>
+          <a:xfrm>
+            <a:off x="14956725" y="2423902"/>
+            <a:ext cx="2351134" cy="1341238"/>
+          </a:xfrm>
+          <a:prstGeom prst="rect">
+            <a:avLst/>
+          </a:prstGeom>
+        </p:spPr>
+      </p:pic>
+      <p:pic>
+        <p:nvPicPr>
+          <p:cNvPr id="35" name="Picture 34" descr="Macintosh HD:Users:ctg:Dropbox:Shared:Cory_Matt_Shared:In_Progress:Paper_2_Simple_SDMs:CodeForDataProcessing:Plots:geographic clustering response curves-diagonal-24-3-13.pdf"/>
+          <p:cNvPicPr/>
+          <p:nvPr/>
+        </p:nvPicPr>
+        <p:blipFill rotWithShape="1">
+          <a:blip r:embed="rId7">
+            <a:extLst>
+              <a:ext uri="{28A0092B-C50C-407E-A947-70E740481C1C}">
+                <a14:useLocalDpi xmlns:a14="http://schemas.microsoft.com/office/drawing/2010/main"/>
+              </a:ext>
+            </a:extLst>
+          </a:blip>
+          <a:srcRect r="65027" b="50241"/>
+          <a:stretch/>
+        </p:blipFill>
+        <p:spPr bwMode="auto">
+          <a:xfrm>
+            <a:off x="4699900" y="1363635"/>
+            <a:ext cx="2454950" cy="2320393"/>
+          </a:xfrm>
+          <a:prstGeom prst="rect">
+            <a:avLst/>
+          </a:prstGeom>
+          <a:noFill/>
+          <a:ln>
+            <a:noFill/>
+          </a:ln>
+        </p:spPr>
+      </p:pic>
+      <p:sp>
+        <p:nvSpPr>
+          <p:cNvPr id="24" name="TextBox 23"/>
+          <p:cNvSpPr txBox="1"/>
+          <p:nvPr/>
+        </p:nvSpPr>
+        <p:spPr>
+          <a:xfrm rot="16200000">
+            <a:off x="7832888" y="4557537"/>
+            <a:ext cx="1326542" cy="646331"/>
+          </a:xfrm>
+          <a:prstGeom prst="rect">
+            <a:avLst/>
+          </a:prstGeom>
+          <a:noFill/>
+        </p:spPr>
+        <p:txBody>
+          <a:bodyPr wrap="none" rtlCol="0">
+            <a:spAutoFit/>
+          </a:bodyPr>
+          <a:lstStyle/>
+          <a:p>
+            <a:r>
+              <a:rPr lang="en-US" dirty="0"/>
+              <a:t>o</a:t>
+            </a:r>
+            <a:r>
+              <a:rPr lang="en-US" dirty="0" smtClean="0"/>
+              <a:t>ccurrence </a:t>
+            </a:r>
+          </a:p>
+          <a:p>
+            <a:r>
+              <a:rPr lang="en-US" dirty="0" smtClean="0"/>
+              <a:t>probability</a:t>
+            </a:r>
+            <a:endParaRPr lang="en-US" dirty="0"/>
+          </a:p>
+        </p:txBody>
+      </p:sp>
+      <p:sp>
+        <p:nvSpPr>
+          <p:cNvPr id="7" name="TextBox 6"/>
+          <p:cNvSpPr txBox="1"/>
+          <p:nvPr/>
+        </p:nvSpPr>
+        <p:spPr>
+          <a:xfrm>
+            <a:off x="1630670" y="3395808"/>
+            <a:ext cx="1868874" cy="369332"/>
+          </a:xfrm>
+          <a:prstGeom prst="rect">
+            <a:avLst/>
+          </a:prstGeom>
+          <a:noFill/>
+        </p:spPr>
+        <p:txBody>
+          <a:bodyPr wrap="none" rtlCol="0">
+            <a:spAutoFit/>
+          </a:bodyPr>
+          <a:lstStyle/>
+          <a:p>
+            <a:r>
+              <a:rPr lang="en-US" i="1" dirty="0" smtClean="0"/>
+              <a:t>Protea punctata</a:t>
+            </a:r>
+            <a:endParaRPr lang="en-US" i="1" dirty="0"/>
+          </a:p>
+        </p:txBody>
+      </p:sp>
+      <p:sp>
+        <p:nvSpPr>
+          <p:cNvPr id="8" name="TextBox 7"/>
+          <p:cNvSpPr txBox="1"/>
+          <p:nvPr/>
+        </p:nvSpPr>
+        <p:spPr>
+          <a:xfrm>
+            <a:off x="4706058" y="3710027"/>
+            <a:ext cx="2890657" cy="369332"/>
+          </a:xfrm>
+          <a:prstGeom prst="rect">
+            <a:avLst/>
+          </a:prstGeom>
+          <a:solidFill>
+            <a:schemeClr val="bg1"/>
+          </a:solidFill>
+        </p:spPr>
+        <p:txBody>
+          <a:bodyPr wrap="square" rtlCol="0">
+            <a:spAutoFit/>
+          </a:bodyPr>
+          <a:lstStyle/>
+          <a:p>
+            <a:r>
+              <a:rPr lang="en-US" dirty="0" smtClean="0"/>
+              <a:t>wet                          dry</a:t>
+            </a:r>
+            <a:endParaRPr lang="en-US" dirty="0"/>
+          </a:p>
+        </p:txBody>
+      </p:sp>
+    </p:spTree>
+    <p:extLst>
+      <p:ext uri="{BB962C8B-B14F-4D97-AF65-F5344CB8AC3E}">
+        <p14:creationId xmlns:p14="http://schemas.microsoft.com/office/powerpoint/2010/main" val="484653273"/>
+      </p:ext>
+    </p:extLst>
+  </p:cSld>
+  <p:clrMapOvr>
+    <a:masterClrMapping/>
+  </p:clrMapOvr>
+  <mc:AlternateContent xmlns:mc="http://schemas.openxmlformats.org/markup-compatibility/2006" xmlns:p14="http://schemas.microsoft.com/office/powerpoint/2010/main">
+    <mc:Choice Requires="p14">
+      <p:transition spd="slow" p14:dur="2000"/>
+    </mc:Choice>
+    <mc:Fallback xmlns="">
+      <p:transition spd="slow"/>
+    </mc:Fallback>
+  </mc:AlternateContent>
+  <p:timing>
+    <p:tnLst>
+      <p:par>
+        <p:cTn id="1" dur="indefinite" restart="never" nodeType="tmRoot">
+          <p:childTnLst>
+            <p:seq concurrent="1" nextAc="seek">
+              <p:cTn id="2" dur="indefinite" nodeType="mainSeq">
+                <p:childTnLst>
+                  <p:par>
+                    <p:cTn id="3" fill="hold">
+                      <p:stCondLst>
+                        <p:cond delay="indefinite"/>
+                      </p:stCondLst>
+                      <p:childTnLst>
+                        <p:par>
+                          <p:cTn id="4" fill="hold">
+                            <p:stCondLst>
+                              <p:cond delay="0"/>
+                            </p:stCondLst>
+                            <p:childTnLst>
+                              <p:par>
+                                <p:cTn id="5" presetID="1" presetClass="entr" presetSubtype="0" fill="hold" grpId="0" nodeType="clickEffect">
+                                  <p:stCondLst>
+                                    <p:cond delay="0"/>
+                                  </p:stCondLst>
+                                  <p:childTnLst>
+                                    <p:set>
+                                      <p:cBhvr>
+                                        <p:cTn id="6" dur="1" fill="hold">
+                                          <p:stCondLst>
+                                            <p:cond delay="0"/>
+                                          </p:stCondLst>
+                                        </p:cTn>
+                                        <p:tgtEl>
+                                          <p:spTgt spid="13"/>
+                                        </p:tgtEl>
+                                        <p:attrNameLst>
+                                          <p:attrName>style.visibility</p:attrName>
+                                        </p:attrNameLst>
+                                      </p:cBhvr>
+                                      <p:to>
+                                        <p:strVal val="visible"/>
+                                      </p:to>
+                                    </p:set>
+                                  </p:childTnLst>
+                                </p:cTn>
+                              </p:par>
+                              <p:par>
+                                <p:cTn id="7" presetID="1" presetClass="entr" presetSubtype="0" fill="hold" nodeType="withEffect">
+                                  <p:stCondLst>
+                                    <p:cond delay="0"/>
+                                  </p:stCondLst>
+                                  <p:childTnLst>
+                                    <p:set>
+                                      <p:cBhvr>
+                                        <p:cTn id="8" dur="1" fill="hold">
+                                          <p:stCondLst>
+                                            <p:cond delay="0"/>
+                                          </p:stCondLst>
+                                        </p:cTn>
+                                        <p:tgtEl>
+                                          <p:spTgt spid="5"/>
+                                        </p:tgtEl>
+                                        <p:attrNameLst>
+                                          <p:attrName>style.visibility</p:attrName>
+                                        </p:attrNameLst>
+                                      </p:cBhvr>
+                                      <p:to>
+                                        <p:strVal val="visible"/>
+                                      </p:to>
+                                    </p:set>
+                                  </p:childTnLst>
+                                </p:cTn>
+                              </p:par>
+                              <p:par>
+                                <p:cTn id="9" presetID="1" presetClass="entr" presetSubtype="0" fill="hold" nodeType="withEffect">
+                                  <p:stCondLst>
+                                    <p:cond delay="0"/>
+                                  </p:stCondLst>
+                                  <p:childTnLst>
+                                    <p:set>
+                                      <p:cBhvr>
+                                        <p:cTn id="10" dur="1" fill="hold">
+                                          <p:stCondLst>
+                                            <p:cond delay="0"/>
+                                          </p:stCondLst>
+                                        </p:cTn>
+                                        <p:tgtEl>
+                                          <p:spTgt spid="22"/>
+                                        </p:tgtEl>
+                                        <p:attrNameLst>
+                                          <p:attrName>style.visibility</p:attrName>
+                                        </p:attrNameLst>
+                                      </p:cBhvr>
+                                      <p:to>
+                                        <p:strVal val="visible"/>
+                                      </p:to>
+                                    </p:set>
+                                  </p:childTnLst>
+                                </p:cTn>
+                              </p:par>
+                              <p:par>
+                                <p:cTn id="11" presetID="1" presetClass="entr" presetSubtype="0" fill="hold" nodeType="withEffect">
+                                  <p:stCondLst>
+                                    <p:cond delay="0"/>
+                                  </p:stCondLst>
+                                  <p:childTnLst>
+                                    <p:set>
+                                      <p:cBhvr>
+                                        <p:cTn id="12" dur="1" fill="hold">
+                                          <p:stCondLst>
+                                            <p:cond delay="0"/>
+                                          </p:stCondLst>
+                                        </p:cTn>
+                                        <p:tgtEl>
+                                          <p:spTgt spid="35"/>
+                                        </p:tgtEl>
+                                        <p:attrNameLst>
+                                          <p:attrName>style.visibility</p:attrName>
+                                        </p:attrNameLst>
+                                      </p:cBhvr>
+                                      <p:to>
+                                        <p:strVal val="visible"/>
+                                      </p:to>
+                                    </p:set>
+                                  </p:childTnLst>
+                                </p:cTn>
+                              </p:par>
+                              <p:par>
+                                <p:cTn id="13" presetID="1" presetClass="entr" presetSubtype="0" fill="hold" grpId="0" nodeType="withEffect">
+                                  <p:stCondLst>
+                                    <p:cond delay="0"/>
+                                  </p:stCondLst>
+                                  <p:childTnLst>
+                                    <p:set>
+                                      <p:cBhvr>
+                                        <p:cTn id="14" dur="1" fill="hold">
+                                          <p:stCondLst>
+                                            <p:cond delay="0"/>
+                                          </p:stCondLst>
+                                        </p:cTn>
+                                        <p:tgtEl>
+                                          <p:spTgt spid="8"/>
+                                        </p:tgtEl>
+                                        <p:attrNameLst>
+                                          <p:attrName>style.visibility</p:attrName>
+                                        </p:attrNameLst>
+                                      </p:cBhvr>
+                                      <p:to>
+                                        <p:strVal val="visible"/>
+                                      </p:to>
+                                    </p:set>
+                                  </p:childTnLst>
+                                </p:cTn>
+                              </p:par>
+                            </p:childTnLst>
+                          </p:cTn>
+                        </p:par>
+                      </p:childTnLst>
+                    </p:cTn>
+                  </p:par>
+                  <p:par>
+                    <p:cTn id="15" fill="hold">
+                      <p:stCondLst>
+                        <p:cond delay="indefinite"/>
+                      </p:stCondLst>
+                      <p:childTnLst>
+                        <p:par>
+                          <p:cTn id="16" fill="hold">
+                            <p:stCondLst>
+                              <p:cond delay="0"/>
+                            </p:stCondLst>
+                            <p:childTnLst>
+                              <p:par>
+                                <p:cTn id="17" presetID="1" presetClass="entr" presetSubtype="0" fill="hold" nodeType="clickEffect">
+                                  <p:stCondLst>
+                                    <p:cond delay="0"/>
+                                  </p:stCondLst>
+                                  <p:childTnLst>
+                                    <p:set>
+                                      <p:cBhvr>
+                                        <p:cTn id="18" dur="1" fill="hold">
+                                          <p:stCondLst>
+                                            <p:cond delay="0"/>
+                                          </p:stCondLst>
+                                        </p:cTn>
+                                        <p:tgtEl>
+                                          <p:spTgt spid="29"/>
+                                        </p:tgtEl>
+                                        <p:attrNameLst>
+                                          <p:attrName>style.visibility</p:attrName>
+                                        </p:attrNameLst>
+                                      </p:cBhvr>
+                                      <p:to>
+                                        <p:strVal val="visible"/>
+                                      </p:to>
+                                    </p:set>
+                                  </p:childTnLst>
+                                </p:cTn>
+                              </p:par>
+                              <p:par>
+                                <p:cTn id="19" presetID="1" presetClass="entr" presetSubtype="0" fill="hold" nodeType="withEffect">
+                                  <p:stCondLst>
+                                    <p:cond delay="0"/>
+                                  </p:stCondLst>
+                                  <p:childTnLst>
+                                    <p:set>
+                                      <p:cBhvr>
+                                        <p:cTn id="20" dur="1" fill="hold">
+                                          <p:stCondLst>
+                                            <p:cond delay="0"/>
+                                          </p:stCondLst>
+                                        </p:cTn>
+                                        <p:tgtEl>
+                                          <p:spTgt spid="34"/>
+                                        </p:tgtEl>
+                                        <p:attrNameLst>
+                                          <p:attrName>style.visibility</p:attrName>
+                                        </p:attrNameLst>
+                                      </p:cBhvr>
+                                      <p:to>
+                                        <p:strVal val="visible"/>
+                                      </p:to>
+                                    </p:set>
+                                  </p:childTnLst>
+                                </p:cTn>
+                              </p:par>
+                              <p:par>
+                                <p:cTn id="21" presetID="1" presetClass="entr" presetSubtype="0" fill="hold" grpId="0" nodeType="withEffect">
+                                  <p:stCondLst>
+                                    <p:cond delay="0"/>
+                                  </p:stCondLst>
+                                  <p:childTnLst>
+                                    <p:set>
+                                      <p:cBhvr>
+                                        <p:cTn id="22" dur="1" fill="hold">
+                                          <p:stCondLst>
+                                            <p:cond delay="0"/>
+                                          </p:stCondLst>
+                                        </p:cTn>
+                                        <p:tgtEl>
+                                          <p:spTgt spid="20"/>
+                                        </p:tgtEl>
+                                        <p:attrNameLst>
+                                          <p:attrName>style.visibility</p:attrName>
+                                        </p:attrNameLst>
+                                      </p:cBhvr>
+                                      <p:to>
+                                        <p:strVal val="visible"/>
+                                      </p:to>
+                                    </p:set>
+                                  </p:childTnLst>
+                                </p:cTn>
+                              </p:par>
+                              <p:par>
+                                <p:cTn id="23" presetID="1" presetClass="entr" presetSubtype="0" fill="hold" nodeType="withEffect">
+                                  <p:stCondLst>
+                                    <p:cond delay="0"/>
+                                  </p:stCondLst>
+                                  <p:childTnLst>
+                                    <p:set>
+                                      <p:cBhvr>
+                                        <p:cTn id="24" dur="1" fill="hold">
+                                          <p:stCondLst>
+                                            <p:cond delay="0"/>
+                                          </p:stCondLst>
+                                        </p:cTn>
+                                        <p:tgtEl>
+                                          <p:spTgt spid="21"/>
+                                        </p:tgtEl>
+                                        <p:attrNameLst>
+                                          <p:attrName>style.visibility</p:attrName>
+                                        </p:attrNameLst>
+                                      </p:cBhvr>
+                                      <p:to>
+                                        <p:strVal val="visible"/>
+                                      </p:to>
+                                    </p:set>
+                                  </p:childTnLst>
+                                </p:cTn>
+                              </p:par>
+                              <p:par>
+                                <p:cTn id="25" presetID="1" presetClass="entr" presetSubtype="0" fill="hold" grpId="0" nodeType="withEffect">
+                                  <p:stCondLst>
+                                    <p:cond delay="0"/>
+                                  </p:stCondLst>
+                                  <p:childTnLst>
+                                    <p:set>
+                                      <p:cBhvr>
+                                        <p:cTn id="26" dur="1" fill="hold">
+                                          <p:stCondLst>
+                                            <p:cond delay="0"/>
+                                          </p:stCondLst>
+                                        </p:cTn>
+                                        <p:tgtEl>
+                                          <p:spTgt spid="24"/>
+                                        </p:tgtEl>
+                                        <p:attrNameLst>
+                                          <p:attrName>style.visibility</p:attrName>
+                                        </p:attrNameLst>
+                                      </p:cBhvr>
+                                      <p:to>
+                                        <p:strVal val="visible"/>
+                                      </p:to>
+                                    </p:set>
+                                  </p:childTnLst>
+                                </p:cTn>
+                              </p:par>
+                              <p:par>
+                                <p:cTn id="27" presetID="1" presetClass="entr" presetSubtype="0" fill="hold" grpId="1" nodeType="withEffect">
+                                  <p:stCondLst>
+                                    <p:cond delay="0"/>
+                                  </p:stCondLst>
+                                  <p:childTnLst>
+                                    <p:set>
+                                      <p:cBhvr>
+                                        <p:cTn id="28" dur="1" fill="hold">
+                                          <p:stCondLst>
+                                            <p:cond delay="0"/>
+                                          </p:stCondLst>
+                                        </p:cTn>
+                                        <p:tgtEl>
+                                          <p:spTgt spid="24"/>
+                                        </p:tgtEl>
+                                        <p:attrNameLst>
+                                          <p:attrName>style.visibility</p:attrName>
+                                        </p:attrNameLst>
+                                      </p:cBhvr>
+                                      <p:to>
+                                        <p:strVal val="visible"/>
+                                      </p:to>
+                                    </p:set>
+                                  </p:childTnLst>
+                                </p:cTn>
+                              </p:par>
+                            </p:childTnLst>
+                          </p:cTn>
+                        </p:par>
+                      </p:childTnLst>
+                    </p:cTn>
+                  </p:par>
+                </p:childTnLst>
+              </p:cTn>
+              <p:prevCondLst>
+                <p:cond evt="onPrev" delay="0">
+                  <p:tgtEl>
+                    <p:sldTgt/>
+                  </p:tgtEl>
+                </p:cond>
+              </p:prevCondLst>
+              <p:nextCondLst>
+                <p:cond evt="onNext" delay="0">
+                  <p:tgtEl>
+                    <p:sldTgt/>
+                  </p:tgtEl>
+                </p:cond>
+              </p:nextCondLst>
+            </p:seq>
+          </p:childTnLst>
+        </p:cTn>
+      </p:par>
+    </p:tnLst>
+    <p:bldLst>
+      <p:bldP spid="13" grpId="0" animBg="1"/>
+      <p:bldP spid="20" grpId="0"/>
+      <p:bldP spid="24" grpId="0"/>
+      <p:bldP spid="24" grpId="1"/>
+      <p:bldP spid="8" grpId="0" animBg="1"/>
+    </p:bldLst>
+  </p:timing>
+</p:sld>
+</file>
+
+<file path=ppt/slides/slide3.xml><?xml version="1.0" encoding="utf-8"?>
+<p:sld xmlns:a="http://schemas.openxmlformats.org/drawingml/2006/main" xmlns:r="http://schemas.openxmlformats.org/officeDocument/2006/relationships" xmlns:p="http://schemas.openxmlformats.org/presentationml/2006/main">
+  <p:cSld>
+    <p:spTree>
+      <p:nvGrpSpPr>
+        <p:cNvPr id="1" name=""/>
+        <p:cNvGrpSpPr/>
+        <p:nvPr/>
+      </p:nvGrpSpPr>
+      <p:grpSpPr>
+        <a:xfrm>
+          <a:off x="0" y="0"/>
+          <a:ext cx="0" cy="0"/>
+          <a:chOff x="0" y="0"/>
+          <a:chExt cx="0" cy="0"/>
+        </a:xfrm>
+      </p:grpSpPr>
+      <p:pic>
+        <p:nvPicPr>
+          <p:cNvPr id="18" name="Picture 17" descr="Screen Shot 2013-03-14 at 10.29.46 PM.png"/>
+          <p:cNvPicPr>
+            <a:picLocks noChangeAspect="1"/>
+          </p:cNvPicPr>
+          <p:nvPr/>
+        </p:nvPicPr>
+        <p:blipFill rotWithShape="1">
+          <a:blip r:embed="rId3">
+            <a:extLst>
+              <a:ext uri="{28A0092B-C50C-407E-A947-70E740481C1C}">
+                <a14:useLocalDpi xmlns:a14="http://schemas.microsoft.com/office/drawing/2010/main"/>
+              </a:ext>
+            </a:extLst>
+          </a:blip>
+          <a:srcRect/>
+          <a:stretch/>
+        </p:blipFill>
+        <p:spPr>
+          <a:xfrm>
+            <a:off x="4684778" y="1932151"/>
+            <a:ext cx="3443299" cy="1648323"/>
+          </a:xfrm>
+          <a:prstGeom prst="rect">
+            <a:avLst/>
+          </a:prstGeom>
+        </p:spPr>
+      </p:pic>
+      <p:sp>
+        <p:nvSpPr>
+          <p:cNvPr id="2" name="Title 1"/>
+          <p:cNvSpPr>
+            <a:spLocks noGrp="1"/>
+          </p:cNvSpPr>
+          <p:nvPr>
+            <p:ph type="title"/>
+          </p:nvPr>
+        </p:nvSpPr>
+        <p:spPr>
+          <a:xfrm>
+            <a:off x="659114" y="385768"/>
+            <a:ext cx="8004298" cy="1039828"/>
+          </a:xfrm>
+        </p:spPr>
+        <p:txBody>
+          <a:bodyPr/>
+          <a:lstStyle/>
+          <a:p>
+            <a:r>
+              <a:rPr lang="en-US" dirty="0" smtClean="0"/>
+              <a:t>Presence vs Background</a:t>
+            </a:r>
+            <a:endParaRPr lang="en-US" dirty="0"/>
+          </a:p>
+        </p:txBody>
+      </p:sp>
+      <p:sp>
+        <p:nvSpPr>
+          <p:cNvPr id="11" name="TextBox 10"/>
+          <p:cNvSpPr txBox="1"/>
+          <p:nvPr/>
+        </p:nvSpPr>
+        <p:spPr>
+          <a:xfrm>
+            <a:off x="1298289" y="1727570"/>
+            <a:ext cx="1651381" cy="830997"/>
+          </a:xfrm>
+          <a:prstGeom prst="rect">
+            <a:avLst/>
+          </a:prstGeom>
+          <a:solidFill>
+            <a:schemeClr val="bg1"/>
+          </a:solidFill>
+        </p:spPr>
+        <p:txBody>
+          <a:bodyPr wrap="square" rtlCol="0">
+            <a:spAutoFit/>
+          </a:bodyPr>
+          <a:lstStyle/>
+          <a:p>
+            <a:r>
+              <a:rPr lang="en-US" sz="2400" dirty="0" smtClean="0"/>
+              <a:t>Presences</a:t>
+            </a:r>
+          </a:p>
+          <a:p>
+            <a:endParaRPr lang="en-US" sz="2400" dirty="0"/>
+          </a:p>
+        </p:txBody>
+      </p:sp>
+      <p:sp>
+        <p:nvSpPr>
+          <p:cNvPr id="13" name="TextBox 12"/>
+          <p:cNvSpPr txBox="1"/>
+          <p:nvPr/>
+        </p:nvSpPr>
+        <p:spPr>
+          <a:xfrm>
+            <a:off x="9711907" y="758074"/>
+            <a:ext cx="2474980" cy="1938992"/>
+          </a:xfrm>
+          <a:prstGeom prst="rect">
+            <a:avLst/>
+          </a:prstGeom>
+          <a:solidFill>
+            <a:schemeClr val="tx1"/>
+          </a:solidFill>
+          <a:ln w="38100" cmpd="sng">
+            <a:solidFill>
+              <a:schemeClr val="accent1"/>
+            </a:solidFill>
+          </a:ln>
+        </p:spPr>
+        <p:txBody>
+          <a:bodyPr wrap="square" rtlCol="0">
+            <a:spAutoFit/>
+          </a:bodyPr>
+          <a:lstStyle/>
+          <a:p>
+            <a:pPr algn="ctr"/>
+            <a:endParaRPr lang="en-US" sz="3000" dirty="0">
+              <a:solidFill>
+                <a:srgbClr val="FF6600"/>
+              </a:solidFill>
+            </a:endParaRPr>
+          </a:p>
+          <a:p>
+            <a:pPr algn="ctr"/>
+            <a:r>
+              <a:rPr lang="en-US" sz="3000" dirty="0">
+                <a:solidFill>
+                  <a:srgbClr val="FF6600"/>
+                </a:solidFill>
+              </a:rPr>
+              <a:t>Maxent </a:t>
+            </a:r>
+          </a:p>
+          <a:p>
+            <a:pPr algn="ctr"/>
+            <a:r>
+              <a:rPr lang="en-US" sz="3000" dirty="0">
+                <a:solidFill>
+                  <a:srgbClr val="FF6600"/>
+                </a:solidFill>
+              </a:rPr>
+              <a:t>Software</a:t>
+            </a:r>
+          </a:p>
+          <a:p>
+            <a:pPr algn="ctr"/>
+            <a:endParaRPr lang="en-US" sz="3000" dirty="0">
+              <a:solidFill>
+                <a:srgbClr val="FF6600"/>
+              </a:solidFill>
+            </a:endParaRPr>
+          </a:p>
+        </p:txBody>
+      </p:sp>
+      <p:pic>
+        <p:nvPicPr>
+          <p:cNvPr id="16" name="Picture 15" descr="temp.pdf"/>
+          <p:cNvPicPr>
+            <a:picLocks noChangeAspect="1"/>
+          </p:cNvPicPr>
+          <p:nvPr/>
+        </p:nvPicPr>
+        <p:blipFill>
+          <a:blip r:embed="rId4">
+            <a:extLst>
+              <a:ext uri="{28A0092B-C50C-407E-A947-70E740481C1C}">
+                <a14:useLocalDpi xmlns:a14="http://schemas.microsoft.com/office/drawing/2010/main"/>
+              </a:ext>
+            </a:extLst>
+          </a:blip>
+          <a:srcRect t="14186" r="6580" b="12063"/>
+          <a:stretch>
+            <a:fillRect/>
+          </a:stretch>
+        </p:blipFill>
+        <p:spPr>
+          <a:xfrm>
+            <a:off x="204437" y="1988916"/>
+            <a:ext cx="3386489" cy="1701554"/>
+          </a:xfrm>
+          <a:prstGeom prst="rect">
+            <a:avLst/>
+          </a:prstGeom>
+          <a:effectLst/>
+        </p:spPr>
+      </p:pic>
+      <p:pic>
+        <p:nvPicPr>
+          <p:cNvPr id="28" name="Picture 27" descr="Screen Shot 2012-01-05 at 10.40.28 PM.png"/>
+          <p:cNvPicPr>
+            <a:picLocks noChangeAspect="1"/>
+          </p:cNvPicPr>
+          <p:nvPr/>
+        </p:nvPicPr>
+        <p:blipFill>
+          <a:blip r:embed="rId5">
+            <a:extLst>
+              <a:ext uri="{28A0092B-C50C-407E-A947-70E740481C1C}">
+                <a14:useLocalDpi xmlns:a14="http://schemas.microsoft.com/office/drawing/2010/main"/>
+              </a:ext>
+            </a:extLst>
+          </a:blip>
+          <a:stretch>
+            <a:fillRect/>
+          </a:stretch>
+        </p:blipFill>
+        <p:spPr>
+          <a:xfrm>
+            <a:off x="14956725" y="2423902"/>
+            <a:ext cx="2351134" cy="1341238"/>
+          </a:xfrm>
+          <a:prstGeom prst="rect">
+            <a:avLst/>
+          </a:prstGeom>
+        </p:spPr>
+      </p:pic>
+      <p:sp>
+        <p:nvSpPr>
+          <p:cNvPr id="7" name="TextBox 6"/>
+          <p:cNvSpPr txBox="1"/>
+          <p:nvPr/>
+        </p:nvSpPr>
+        <p:spPr>
+          <a:xfrm>
+            <a:off x="1630670" y="3395808"/>
+            <a:ext cx="1868874" cy="369332"/>
+          </a:xfrm>
+          <a:prstGeom prst="rect">
+            <a:avLst/>
+          </a:prstGeom>
+          <a:noFill/>
+        </p:spPr>
+        <p:txBody>
+          <a:bodyPr wrap="none" rtlCol="0">
+            <a:spAutoFit/>
+          </a:bodyPr>
+          <a:lstStyle/>
+          <a:p>
+            <a:r>
+              <a:rPr lang="en-US" i="1" dirty="0" smtClean="0"/>
+              <a:t>Protea punctata</a:t>
+            </a:r>
+            <a:endParaRPr lang="en-US" i="1" dirty="0"/>
+          </a:p>
+        </p:txBody>
+      </p:sp>
+      <p:sp>
+        <p:nvSpPr>
+          <p:cNvPr id="4" name="TextBox 3"/>
+          <p:cNvSpPr txBox="1"/>
+          <p:nvPr/>
+        </p:nvSpPr>
+        <p:spPr>
+          <a:xfrm>
+            <a:off x="6027312" y="1727570"/>
+            <a:ext cx="1415772" cy="369332"/>
+          </a:xfrm>
+          <a:prstGeom prst="rect">
+            <a:avLst/>
+          </a:prstGeom>
+          <a:noFill/>
+        </p:spPr>
+        <p:txBody>
+          <a:bodyPr wrap="none" rtlCol="0">
+            <a:spAutoFit/>
+          </a:bodyPr>
+          <a:lstStyle/>
+          <a:p>
+            <a:r>
+              <a:rPr lang="en-US" smtClean="0"/>
+              <a:t>Background</a:t>
+            </a:r>
+            <a:endParaRPr lang="en-US"/>
+          </a:p>
+        </p:txBody>
+      </p:sp>
+    </p:spTree>
+    <p:extLst>
+      <p:ext uri="{BB962C8B-B14F-4D97-AF65-F5344CB8AC3E}">
+        <p14:creationId xmlns:p14="http://schemas.microsoft.com/office/powerpoint/2010/main" val="1069537905"/>
+      </p:ext>
+    </p:extLst>
+  </p:cSld>
+  <p:clrMapOvr>
+    <a:masterClrMapping/>
+  </p:clrMapOvr>
+  <mc:AlternateContent xmlns:mc="http://schemas.openxmlformats.org/markup-compatibility/2006" xmlns:p14="http://schemas.microsoft.com/office/powerpoint/2010/main">
+    <mc:Choice Requires="p14">
+      <p:transition spd="slow" p14:dur="2000"/>
+    </mc:Choice>
+    <mc:Fallback xmlns="">
+      <p:transition spd="slow"/>
+    </mc:Fallback>
+  </mc:AlternateContent>
+  <p:timing>
+    <p:tnLst>
+      <p:par>
+        <p:cTn id="1" dur="indefinite" restart="never" nodeType="tmRoot">
+          <p:childTnLst>
+            <p:seq concurrent="1" nextAc="seek">
+              <p:cTn id="2" dur="indefinite" nodeType="mainSeq">
+                <p:childTnLst>
+                  <p:par>
+                    <p:cTn id="3" fill="hold">
+                      <p:stCondLst>
+                        <p:cond delay="indefinite"/>
+                      </p:stCondLst>
+                      <p:childTnLst>
+                        <p:par>
+                          <p:cTn id="4" fill="hold">
+                            <p:stCondLst>
+                              <p:cond delay="0"/>
+                            </p:stCondLst>
+                            <p:childTnLst>
+                              <p:par>
+                                <p:cTn id="5" presetID="1" presetClass="entr" presetSubtype="0" fill="hold" grpId="0" nodeType="clickEffect">
+                                  <p:stCondLst>
+                                    <p:cond delay="0"/>
+                                  </p:stCondLst>
+                                  <p:childTnLst>
+                                    <p:set>
+                                      <p:cBhvr>
+                                        <p:cTn id="6" dur="1" fill="hold">
+                                          <p:stCondLst>
+                                            <p:cond delay="0"/>
+                                          </p:stCondLst>
+                                        </p:cTn>
+                                        <p:tgtEl>
+                                          <p:spTgt spid="13"/>
+                                        </p:tgtEl>
+                                        <p:attrNameLst>
+                                          <p:attrName>style.visibility</p:attrName>
+                                        </p:attrNameLst>
+                                      </p:cBhvr>
+                                      <p:to>
+                                        <p:strVal val="visible"/>
+                                      </p:to>
+                                    </p:set>
+                                  </p:childTnLst>
+                                </p:cTn>
+                              </p:par>
+                            </p:childTnLst>
+                          </p:cTn>
+                        </p:par>
+                      </p:childTnLst>
+                    </p:cTn>
+                  </p:par>
+                </p:childTnLst>
+              </p:cTn>
+              <p:prevCondLst>
+                <p:cond evt="onPrev" delay="0">
+                  <p:tgtEl>
+                    <p:sldTgt/>
+                  </p:tgtEl>
+                </p:cond>
+              </p:prevCondLst>
+              <p:nextCondLst>
+                <p:cond evt="onNext" delay="0">
+                  <p:tgtEl>
+                    <p:sldTgt/>
+                  </p:tgtEl>
+                </p:cond>
+              </p:nextCondLst>
+            </p:seq>
+          </p:childTnLst>
+        </p:cTn>
+      </p:par>
+    </p:tnLst>
+    <p:bldLst>
+      <p:bldP spid="13" grpId="0" animBg="1"/>
+    </p:bldLst>
+  </p:timing>
+</p:sld>
+</file>
+
+<file path=ppt/slides/slide4.xml><?xml version="1.0" encoding="utf-8"?>
+<p:sld xmlns:a="http://schemas.openxmlformats.org/drawingml/2006/main" xmlns:r="http://schemas.openxmlformats.org/officeDocument/2006/relationships" xmlns:p="http://schemas.openxmlformats.org/presentationml/2006/main">
+  <p:cSld>
+    <p:spTree>
+      <p:nvGrpSpPr>
+        <p:cNvPr id="1" name=""/>
+        <p:cNvGrpSpPr/>
+        <p:nvPr/>
+      </p:nvGrpSpPr>
+      <p:grpSpPr>
+        <a:xfrm>
+          <a:off x="0" y="0"/>
+          <a:ext cx="0" cy="0"/>
+          <a:chOff x="0" y="0"/>
+          <a:chExt cx="0" cy="0"/>
+        </a:xfrm>
+      </p:grpSpPr>
+      <p:pic>
+        <p:nvPicPr>
+          <p:cNvPr id="3" name="Picture 2" descr="Screen Shot 2012-08-07 at 3.05.56 PM.png"/>
+          <p:cNvPicPr>
+            <a:picLocks noChangeAspect="1"/>
+          </p:cNvPicPr>
+          <p:nvPr/>
+        </p:nvPicPr>
+        <p:blipFill>
+          <a:blip r:embed="rId3">
+            <a:extLst>
+              <a:ext uri="{28A0092B-C50C-407E-A947-70E740481C1C}">
+                <a14:useLocalDpi xmlns:a14="http://schemas.microsoft.com/office/drawing/2010/main" val="0"/>
+              </a:ext>
+            </a:extLst>
+          </a:blip>
+          <a:stretch>
+            <a:fillRect/>
+          </a:stretch>
+        </p:blipFill>
+        <p:spPr>
+          <a:xfrm>
+            <a:off x="239516" y="1606454"/>
+            <a:ext cx="8414721" cy="5215322"/>
+          </a:xfrm>
+          <a:prstGeom prst="rect">
+            <a:avLst/>
+          </a:prstGeom>
+        </p:spPr>
+      </p:pic>
+      <p:sp>
+        <p:nvSpPr>
+          <p:cNvPr id="2" name="Title 1"/>
+          <p:cNvSpPr>
+            <a:spLocks noGrp="1"/>
+          </p:cNvSpPr>
+          <p:nvPr>
+            <p:ph type="title"/>
+          </p:nvPr>
+        </p:nvSpPr>
+        <p:spPr/>
+        <p:txBody>
+          <a:bodyPr/>
+          <a:lstStyle/>
+          <a:p>
+            <a:r>
+              <a:rPr lang="en-US" dirty="0" smtClean="0"/>
+              <a:t>Background </a:t>
+            </a:r>
+            <a:r>
+              <a:rPr lang="en-US" dirty="0"/>
+              <a:t>Selection</a:t>
+            </a:r>
+          </a:p>
+        </p:txBody>
+      </p:sp>
+      <p:pic>
+        <p:nvPicPr>
+          <p:cNvPr id="7" name="Picture 6" descr="temp.pdf"/>
+          <p:cNvPicPr>
+            <a:picLocks noChangeAspect="1"/>
+          </p:cNvPicPr>
+          <p:nvPr/>
+        </p:nvPicPr>
+        <p:blipFill>
+          <a:blip r:embed="rId4"/>
+          <a:srcRect t="14186" r="6580" b="12063"/>
+          <a:stretch>
+            <a:fillRect/>
+          </a:stretch>
+        </p:blipFill>
+        <p:spPr>
+          <a:xfrm>
+            <a:off x="6051825" y="888923"/>
+            <a:ext cx="2795622" cy="1404671"/>
+          </a:xfrm>
+          <a:prstGeom prst="rect">
+            <a:avLst/>
+          </a:prstGeom>
+          <a:effectLst/>
+        </p:spPr>
+      </p:pic>
+      <p:sp>
+        <p:nvSpPr>
+          <p:cNvPr id="6" name="Rectangle 5"/>
+          <p:cNvSpPr/>
+          <p:nvPr/>
+        </p:nvSpPr>
+        <p:spPr>
+          <a:xfrm>
+            <a:off x="6364942" y="1081825"/>
+            <a:ext cx="2096478" cy="878038"/>
+          </a:xfrm>
+          <a:prstGeom prst="rect">
+            <a:avLst/>
+          </a:prstGeom>
+          <a:noFill/>
+          <a:ln w="38100" cmpd="sng">
+            <a:solidFill>
+              <a:srgbClr val="0000FF"/>
+            </a:solidFill>
+          </a:ln>
+          <a:effectLst/>
+        </p:spPr>
+        <p:style>
+          <a:lnRef idx="1">
+            <a:schemeClr val="accent1"/>
+          </a:lnRef>
+          <a:fillRef idx="3">
+            <a:schemeClr val="accent1"/>
+          </a:fillRef>
+          <a:effectRef idx="2">
+            <a:schemeClr val="accent1"/>
+          </a:effectRef>
+          <a:fontRef idx="minor">
+            <a:schemeClr val="lt1"/>
+          </a:fontRef>
+        </p:style>
+        <p:txBody>
+          <a:bodyPr rtlCol="0" anchor="ctr"/>
+          <a:lstStyle/>
+          <a:p>
+            <a:pPr algn="ctr"/>
+            <a:endParaRPr lang="en-US" dirty="0"/>
+          </a:p>
+        </p:txBody>
+      </p:sp>
+    </p:spTree>
+    <p:extLst>
+      <p:ext uri="{BB962C8B-B14F-4D97-AF65-F5344CB8AC3E}">
+        <p14:creationId xmlns:p14="http://schemas.microsoft.com/office/powerpoint/2010/main" val="928229942"/>
+      </p:ext>
+    </p:extLst>
+  </p:cSld>
+  <p:clrMapOvr>
+    <a:masterClrMapping/>
+  </p:clrMapOvr>
+  <p:timing>
+    <p:tnLst>
+      <p:par>
+        <p:cTn id="1" dur="indefinite" restart="never" nodeType="tmRoot"/>
+      </p:par>
+    </p:tnLst>
+  </p:timing>
+</p:sld>
+</file>
+
+<file path=ppt/slides/slide5.xml><?xml version="1.0" encoding="utf-8"?>
+<p:sld xmlns:a="http://schemas.openxmlformats.org/drawingml/2006/main" xmlns:r="http://schemas.openxmlformats.org/officeDocument/2006/relationships" xmlns:p="http://schemas.openxmlformats.org/presentationml/2006/main">
+  <p:cSld>
+    <p:spTree>
+      <p:nvGrpSpPr>
+        <p:cNvPr id="1" name=""/>
+        <p:cNvGrpSpPr/>
+        <p:nvPr/>
+      </p:nvGrpSpPr>
+      <p:grpSpPr>
+        <a:xfrm>
+          <a:off x="0" y="0"/>
+          <a:ext cx="0" cy="0"/>
+          <a:chOff x="0" y="0"/>
+          <a:chExt cx="0" cy="0"/>
+        </a:xfrm>
+      </p:grpSpPr>
+      <p:sp>
+        <p:nvSpPr>
+          <p:cNvPr id="2" name="Title 1"/>
+          <p:cNvSpPr>
+            <a:spLocks noGrp="1"/>
+          </p:cNvSpPr>
+          <p:nvPr>
+            <p:ph type="title"/>
+          </p:nvPr>
+        </p:nvSpPr>
+        <p:spPr/>
+        <p:txBody>
+          <a:bodyPr/>
+          <a:lstStyle/>
+          <a:p>
+            <a:r>
+              <a:rPr lang="en-US" dirty="0" err="1" smtClean="0"/>
+              <a:t>Maxent’s</a:t>
+            </a:r>
+            <a:r>
+              <a:rPr lang="en-US" dirty="0" smtClean="0"/>
+              <a:t> prediction</a:t>
+            </a:r>
+            <a:endParaRPr lang="en-US" dirty="0"/>
+          </a:p>
+        </p:txBody>
+      </p:sp>
+      <p:pic>
+        <p:nvPicPr>
+          <p:cNvPr id="4" name="Content Placeholder 3"/>
+          <p:cNvPicPr>
+            <a:picLocks noGrp="1" noChangeAspect="1"/>
+          </p:cNvPicPr>
+          <p:nvPr>
+            <p:ph idx="1"/>
+          </p:nvPr>
+        </p:nvPicPr>
+        <p:blipFill>
+          <a:blip r:embed="rId2">
+            <a:extLst>
+              <a:ext uri="{28A0092B-C50C-407E-A947-70E740481C1C}">
+                <a14:useLocalDpi xmlns:a14="http://schemas.microsoft.com/office/drawing/2010/main" val="0"/>
+              </a:ext>
+            </a:extLst>
+          </a:blip>
+          <a:stretch>
+            <a:fillRect/>
+          </a:stretch>
+        </p:blipFill>
+        <p:spPr>
+          <a:xfrm>
+            <a:off x="565150" y="3473450"/>
+            <a:ext cx="8013700" cy="1130300"/>
+          </a:xfrm>
+        </p:spPr>
+      </p:pic>
+    </p:spTree>
+    <p:extLst>
+      <p:ext uri="{BB962C8B-B14F-4D97-AF65-F5344CB8AC3E}">
+        <p14:creationId xmlns:p14="http://schemas.microsoft.com/office/powerpoint/2010/main" val="1334837057"/>
+      </p:ext>
+    </p:extLst>
+  </p:cSld>
+  <p:clrMapOvr>
+    <a:masterClrMapping/>
+  </p:clrMapOvr>
+  <p:timing>
+    <p:tnLst>
+      <p:par>
+        <p:cTn id="1" dur="indefinite" restart="never" nodeType="tmRoot"/>
+      </p:par>
+    </p:tnLst>
+  </p:timing>
+</p:sld>
+</file>
+
+<file path=ppt/slides/slide6.xml><?xml version="1.0" encoding="utf-8"?>
+<p:sld xmlns:a="http://schemas.openxmlformats.org/drawingml/2006/main" xmlns:r="http://schemas.openxmlformats.org/officeDocument/2006/relationships" xmlns:p="http://schemas.openxmlformats.org/presentationml/2006/main">
+  <p:cSld>
+    <p:spTree>
+      <p:nvGrpSpPr>
+        <p:cNvPr id="1" name=""/>
+        <p:cNvGrpSpPr/>
+        <p:nvPr/>
+      </p:nvGrpSpPr>
+      <p:grpSpPr>
+        <a:xfrm>
+          <a:off x="0" y="0"/>
+          <a:ext cx="0" cy="0"/>
+          <a:chOff x="0" y="0"/>
+          <a:chExt cx="0" cy="0"/>
+        </a:xfrm>
+      </p:grpSpPr>
+      <p:sp>
+        <p:nvSpPr>
+          <p:cNvPr id="2" name="Title 1"/>
+          <p:cNvSpPr>
+            <a:spLocks noGrp="1"/>
+          </p:cNvSpPr>
+          <p:nvPr>
+            <p:ph type="title"/>
+          </p:nvPr>
+        </p:nvSpPr>
+        <p:spPr>
+          <a:xfrm>
+            <a:off x="444321" y="1306132"/>
+            <a:ext cx="8229600" cy="990600"/>
+          </a:xfrm>
+        </p:spPr>
+        <p:txBody>
+          <a:bodyPr>
+            <a:normAutofit fontScale="90000"/>
+          </a:bodyPr>
+          <a:lstStyle/>
+          <a:p>
+            <a:r>
+              <a:rPr lang="en-US" smtClean="0"/>
+              <a:t>Likelihood,</a:t>
+            </a:r>
+            <a:br>
+              <a:rPr lang="en-US" smtClean="0"/>
+            </a:br>
+            <a:r>
+              <a:rPr lang="en-US" smtClean="0"/>
+              <a:t>in case </a:t>
+            </a:r>
+            <a:br>
+              <a:rPr lang="en-US" smtClean="0"/>
+            </a:br>
+            <a:r>
+              <a:rPr lang="en-US" smtClean="0"/>
+              <a:t>anyone </a:t>
+            </a:r>
+            <a:br>
+              <a:rPr lang="en-US" smtClean="0"/>
+            </a:br>
+            <a:r>
+              <a:rPr lang="en-US" smtClean="0"/>
+              <a:t>asks</a:t>
+            </a:r>
+            <a:r>
+              <a:rPr lang="mr-IN" dirty="0" smtClean="0"/>
+              <a:t>…</a:t>
+            </a:r>
+            <a:endParaRPr lang="en-US" dirty="0"/>
+          </a:p>
+        </p:txBody>
+      </p:sp>
+      <p:pic>
+        <p:nvPicPr>
+          <p:cNvPr id="4" name="Content Placeholder 3"/>
+          <p:cNvPicPr>
+            <a:picLocks noGrp="1" noChangeAspect="1"/>
+          </p:cNvPicPr>
+          <p:nvPr>
+            <p:ph idx="1"/>
+          </p:nvPr>
+        </p:nvPicPr>
+        <p:blipFill>
+          <a:blip r:embed="rId2">
+            <a:extLst>
+              <a:ext uri="{28A0092B-C50C-407E-A947-70E740481C1C}">
+                <a14:useLocalDpi xmlns:a14="http://schemas.microsoft.com/office/drawing/2010/main" val="0"/>
+              </a:ext>
+            </a:extLst>
+          </a:blip>
+          <a:stretch>
+            <a:fillRect/>
+          </a:stretch>
+        </p:blipFill>
+        <p:spPr>
+          <a:xfrm>
+            <a:off x="3616613" y="533400"/>
+            <a:ext cx="5321325" cy="6409779"/>
+          </a:xfrm>
+        </p:spPr>
+      </p:pic>
+    </p:spTree>
+    <p:extLst>
+      <p:ext uri="{BB962C8B-B14F-4D97-AF65-F5344CB8AC3E}">
+        <p14:creationId xmlns:p14="http://schemas.microsoft.com/office/powerpoint/2010/main" val="503078960"/>
+      </p:ext>
+    </p:extLst>
+  </p:cSld>
+  <p:clrMapOvr>
+    <a:masterClrMapping/>
+  </p:clrMapOvr>
+  <p:timing>
+    <p:tnLst>
+      <p:par>
+        <p:cTn id="1" dur="indefinite" restart="never" nodeType="tmRoot"/>
+      </p:par>
+    </p:tnLst>
+  </p:timing>
+</p:sld>
+</file>
+
+<file path=ppt/slides/slide7.xml><?xml version="1.0" encoding="utf-8"?>
+<p:sld xmlns:a="http://schemas.openxmlformats.org/drawingml/2006/main" xmlns:r="http://schemas.openxmlformats.org/officeDocument/2006/relationships" xmlns:p="http://schemas.openxmlformats.org/presentationml/2006/main">
+  <p:cSld>
+    <p:spTree>
+      <p:nvGrpSpPr>
+        <p:cNvPr id="1" name=""/>
+        <p:cNvGrpSpPr/>
+        <p:nvPr/>
+      </p:nvGrpSpPr>
+      <p:grpSpPr>
+        <a:xfrm>
+          <a:off x="0" y="0"/>
+          <a:ext cx="0" cy="0"/>
+          <a:chOff x="0" y="0"/>
+          <a:chExt cx="0" cy="0"/>
+        </a:xfrm>
+      </p:grpSpPr>
+      <p:sp>
+        <p:nvSpPr>
+          <p:cNvPr id="2" name="Title 1"/>
+          <p:cNvSpPr>
+            <a:spLocks noGrp="1"/>
+          </p:cNvSpPr>
+          <p:nvPr>
+            <p:ph type="title"/>
+          </p:nvPr>
+        </p:nvSpPr>
+        <p:spPr>
+          <a:xfrm>
+            <a:off x="296430" y="533400"/>
+            <a:ext cx="8562200" cy="990600"/>
+          </a:xfrm>
+        </p:spPr>
+        <p:txBody>
+          <a:bodyPr>
+            <a:normAutofit fontScale="90000"/>
+          </a:bodyPr>
+          <a:lstStyle/>
+          <a:p>
+            <a:r>
+              <a:rPr lang="en-US" dirty="0"/>
+              <a:t>Variation in Predictions for Different Settings</a:t>
+            </a:r>
+            <a:br>
+              <a:rPr lang="en-US" dirty="0"/>
+            </a:br>
+            <a:endParaRPr lang="en-US" dirty="0"/>
+          </a:p>
+        </p:txBody>
+      </p:sp>
+      <p:pic>
+        <p:nvPicPr>
+          <p:cNvPr id="5" name="Picture 4" descr="Screen Shot 2011-09-21 at 11.06.19 AM.png"/>
+          <p:cNvPicPr>
+            <a:picLocks noChangeAspect="1"/>
+          </p:cNvPicPr>
+          <p:nvPr/>
+        </p:nvPicPr>
+        <p:blipFill rotWithShape="1">
+          <a:blip r:embed="rId3"/>
+          <a:srcRect t="54069" r="9548"/>
+          <a:stretch/>
+        </p:blipFill>
+        <p:spPr>
+          <a:xfrm>
+            <a:off x="539671" y="3872388"/>
+            <a:ext cx="7635190" cy="1970892"/>
+          </a:xfrm>
+          <a:prstGeom prst="rect">
+            <a:avLst/>
+          </a:prstGeom>
+        </p:spPr>
+      </p:pic>
+      <p:sp>
+        <p:nvSpPr>
+          <p:cNvPr id="10" name="TextBox 9"/>
+          <p:cNvSpPr txBox="1"/>
+          <p:nvPr/>
+        </p:nvSpPr>
+        <p:spPr>
+          <a:xfrm>
+            <a:off x="8157462" y="1182978"/>
+            <a:ext cx="617477" cy="369332"/>
+          </a:xfrm>
+          <a:prstGeom prst="rect">
+            <a:avLst/>
+          </a:prstGeom>
+          <a:noFill/>
+        </p:spPr>
+        <p:txBody>
+          <a:bodyPr wrap="none" rtlCol="0">
+            <a:spAutoFit/>
+          </a:bodyPr>
+          <a:lstStyle/>
+          <a:p>
+            <a:r>
+              <a:rPr lang="en-US" dirty="0"/>
+              <a:t>High</a:t>
+            </a:r>
+          </a:p>
+        </p:txBody>
+      </p:sp>
+      <p:sp>
+        <p:nvSpPr>
+          <p:cNvPr id="11" name="TextBox 10"/>
+          <p:cNvSpPr txBox="1"/>
+          <p:nvPr/>
+        </p:nvSpPr>
+        <p:spPr>
+          <a:xfrm>
+            <a:off x="8174860" y="5859585"/>
+            <a:ext cx="595035" cy="369332"/>
+          </a:xfrm>
+          <a:prstGeom prst="rect">
+            <a:avLst/>
+          </a:prstGeom>
+          <a:noFill/>
+        </p:spPr>
+        <p:txBody>
+          <a:bodyPr wrap="none" rtlCol="0">
+            <a:spAutoFit/>
+          </a:bodyPr>
+          <a:lstStyle/>
+          <a:p>
+            <a:r>
+              <a:rPr lang="en-US" dirty="0"/>
+              <a:t>Low</a:t>
+            </a:r>
+          </a:p>
+        </p:txBody>
+      </p:sp>
+      <p:sp>
+        <p:nvSpPr>
+          <p:cNvPr id="12" name="TextBox 11"/>
+          <p:cNvSpPr txBox="1"/>
+          <p:nvPr/>
+        </p:nvSpPr>
+        <p:spPr>
+          <a:xfrm>
+            <a:off x="457200" y="6013473"/>
+            <a:ext cx="6174800" cy="430887"/>
+          </a:xfrm>
+          <a:prstGeom prst="rect">
+            <a:avLst/>
+          </a:prstGeom>
+          <a:noFill/>
+        </p:spPr>
+        <p:txBody>
+          <a:bodyPr wrap="none" rtlCol="0">
+            <a:spAutoFit/>
+          </a:bodyPr>
+          <a:lstStyle/>
+          <a:p>
+            <a:r>
+              <a:rPr lang="en-US" sz="2200" dirty="0"/>
+              <a:t>This flexibility could be very good or very bad….</a:t>
+            </a:r>
+          </a:p>
+        </p:txBody>
+      </p:sp>
+      <p:pic>
+        <p:nvPicPr>
+          <p:cNvPr id="7" name="Picture 6" descr="Screen Shot 2011-09-21 at 11.06.19 AM.png"/>
+          <p:cNvPicPr>
+            <a:picLocks noChangeAspect="1"/>
+          </p:cNvPicPr>
+          <p:nvPr/>
+        </p:nvPicPr>
+        <p:blipFill rotWithShape="1">
+          <a:blip r:embed="rId3"/>
+          <a:srcRect l="91025" r="5957"/>
+          <a:stretch/>
+        </p:blipFill>
+        <p:spPr>
+          <a:xfrm>
+            <a:off x="8223250" y="1552310"/>
+            <a:ext cx="254791" cy="4290970"/>
+          </a:xfrm>
+          <a:prstGeom prst="rect">
+            <a:avLst/>
+          </a:prstGeom>
+        </p:spPr>
+      </p:pic>
+      <p:pic>
+        <p:nvPicPr>
+          <p:cNvPr id="8" name="Picture 7" descr="Screen Shot 2011-09-21 at 11.06.19 AM.png"/>
+          <p:cNvPicPr>
+            <a:picLocks noChangeAspect="1"/>
+          </p:cNvPicPr>
+          <p:nvPr/>
+        </p:nvPicPr>
+        <p:blipFill rotWithShape="1">
+          <a:blip r:embed="rId3"/>
+          <a:srcRect t="5337" r="9548" b="49902"/>
+          <a:stretch/>
+        </p:blipFill>
+        <p:spPr>
+          <a:xfrm>
+            <a:off x="539670" y="1781299"/>
+            <a:ext cx="7635191" cy="1920704"/>
+          </a:xfrm>
+          <a:prstGeom prst="rect">
+            <a:avLst/>
+          </a:prstGeom>
+        </p:spPr>
+      </p:pic>
+    </p:spTree>
+    <p:extLst>
+      <p:ext uri="{BB962C8B-B14F-4D97-AF65-F5344CB8AC3E}">
+        <p14:creationId xmlns:p14="http://schemas.microsoft.com/office/powerpoint/2010/main" val="894071876"/>
+      </p:ext>
+    </p:extLst>
+  </p:cSld>
+  <p:clrMapOvr>
+    <a:masterClrMapping/>
+  </p:clrMapOvr>
+  <p:timing>
+    <p:tnLst>
+      <p:par>
+        <p:cTn id="1" dur="indefinite" restart="never" nodeType="tmRoot"/>
+      </p:par>
+    </p:tnLst>
+  </p:timing>
+</p:sld>
+</file>
+
+<file path=ppt/slides/slide8.xml><?xml version="1.0" encoding="utf-8"?>
+<p:sld xmlns:a="http://schemas.openxmlformats.org/drawingml/2006/main" xmlns:r="http://schemas.openxmlformats.org/officeDocument/2006/relationships" xmlns:p="http://schemas.openxmlformats.org/presentationml/2006/main">
+  <p:cSld>
+    <p:spTree>
+      <p:nvGrpSpPr>
+        <p:cNvPr id="1" name=""/>
+        <p:cNvGrpSpPr/>
+        <p:nvPr/>
+      </p:nvGrpSpPr>
+      <p:grpSpPr>
+        <a:xfrm>
+          <a:off x="0" y="0"/>
+          <a:ext cx="0" cy="0"/>
+          <a:chOff x="0" y="0"/>
+          <a:chExt cx="0" cy="0"/>
+        </a:xfrm>
+      </p:grpSpPr>
+      <p:pic>
+        <p:nvPicPr>
+          <p:cNvPr id="13" name="Picture 12" descr="Screen Shot 2011-09-21 at 11.06.19 AM.png"/>
+          <p:cNvPicPr>
+            <a:picLocks noChangeAspect="1"/>
+          </p:cNvPicPr>
+          <p:nvPr/>
+        </p:nvPicPr>
+        <p:blipFill rotWithShape="1">
+          <a:blip r:embed="rId3"/>
+          <a:srcRect t="54069" r="9548"/>
+          <a:stretch/>
+        </p:blipFill>
+        <p:spPr>
+          <a:xfrm>
+            <a:off x="554612" y="3678155"/>
+            <a:ext cx="7635190" cy="1970892"/>
+          </a:xfrm>
+          <a:prstGeom prst="rect">
+            <a:avLst/>
+          </a:prstGeom>
+        </p:spPr>
+      </p:pic>
+      <p:pic>
+        <p:nvPicPr>
+          <p:cNvPr id="14" name="Picture 13" descr="Screen Shot 2011-09-21 at 11.06.19 AM.png"/>
+          <p:cNvPicPr>
+            <a:picLocks noChangeAspect="1"/>
+          </p:cNvPicPr>
+          <p:nvPr/>
+        </p:nvPicPr>
+        <p:blipFill rotWithShape="1">
+          <a:blip r:embed="rId3"/>
+          <a:srcRect l="91025" r="5957"/>
+          <a:stretch/>
+        </p:blipFill>
+        <p:spPr>
+          <a:xfrm>
+            <a:off x="8238191" y="1358077"/>
+            <a:ext cx="254791" cy="4290970"/>
+          </a:xfrm>
+          <a:prstGeom prst="rect">
+            <a:avLst/>
+          </a:prstGeom>
+        </p:spPr>
+      </p:pic>
+      <p:pic>
+        <p:nvPicPr>
+          <p:cNvPr id="15" name="Picture 14" descr="Screen Shot 2011-09-21 at 11.06.19 AM.png"/>
+          <p:cNvPicPr>
+            <a:picLocks noChangeAspect="1"/>
+          </p:cNvPicPr>
+          <p:nvPr/>
+        </p:nvPicPr>
+        <p:blipFill rotWithShape="1">
+          <a:blip r:embed="rId3"/>
+          <a:srcRect t="5337" r="9548" b="49902"/>
+          <a:stretch/>
+        </p:blipFill>
+        <p:spPr>
+          <a:xfrm>
+            <a:off x="554611" y="1587066"/>
+            <a:ext cx="7635191" cy="1920704"/>
+          </a:xfrm>
+          <a:prstGeom prst="rect">
+            <a:avLst/>
+          </a:prstGeom>
+        </p:spPr>
+      </p:pic>
+      <p:sp>
+        <p:nvSpPr>
+          <p:cNvPr id="2" name="Title 1"/>
+          <p:cNvSpPr>
+            <a:spLocks noGrp="1"/>
+          </p:cNvSpPr>
+          <p:nvPr>
+            <p:ph type="title"/>
+          </p:nvPr>
+        </p:nvSpPr>
+        <p:spPr>
+          <a:xfrm>
+            <a:off x="296430" y="533400"/>
+            <a:ext cx="8562200" cy="990600"/>
+          </a:xfrm>
+        </p:spPr>
+        <p:txBody>
+          <a:bodyPr>
+            <a:normAutofit fontScale="90000"/>
+          </a:bodyPr>
+          <a:lstStyle/>
+          <a:p>
+            <a:r>
+              <a:rPr lang="en-US" dirty="0"/>
+              <a:t>Variation in Predictions for Different Settings</a:t>
+            </a:r>
+            <a:br>
+              <a:rPr lang="en-US" dirty="0"/>
+            </a:br>
+            <a:endParaRPr lang="en-US" dirty="0"/>
+          </a:p>
+        </p:txBody>
+      </p:sp>
+      <p:sp>
+        <p:nvSpPr>
+          <p:cNvPr id="7" name="Oval 6"/>
+          <p:cNvSpPr/>
+          <p:nvPr/>
+        </p:nvSpPr>
+        <p:spPr>
+          <a:xfrm>
+            <a:off x="4173043" y="3365079"/>
+            <a:ext cx="2258976" cy="2740354"/>
+          </a:xfrm>
+          <a:prstGeom prst="ellipse">
+            <a:avLst/>
+          </a:prstGeom>
+          <a:noFill/>
+          <a:ln w="63500">
+            <a:solidFill>
+              <a:srgbClr val="FF0000"/>
+            </a:solidFill>
+          </a:ln>
+        </p:spPr>
+        <p:style>
+          <a:lnRef idx="1">
+            <a:schemeClr val="accent1"/>
+          </a:lnRef>
+          <a:fillRef idx="3">
+            <a:schemeClr val="accent1"/>
+          </a:fillRef>
+          <a:effectRef idx="2">
+            <a:schemeClr val="accent1"/>
+          </a:effectRef>
+          <a:fontRef idx="minor">
+            <a:schemeClr val="lt1"/>
+          </a:fontRef>
+        </p:style>
+        <p:txBody>
+          <a:bodyPr rtlCol="0" anchor="ctr"/>
+          <a:lstStyle/>
+          <a:p>
+            <a:pPr algn="ctr"/>
+            <a:endParaRPr lang="en-US" dirty="0"/>
+          </a:p>
+        </p:txBody>
+      </p:sp>
+      <p:sp>
+        <p:nvSpPr>
+          <p:cNvPr id="8" name="TextBox 7"/>
+          <p:cNvSpPr txBox="1"/>
+          <p:nvPr/>
+        </p:nvSpPr>
+        <p:spPr>
+          <a:xfrm>
+            <a:off x="457200" y="6013473"/>
+            <a:ext cx="6174800" cy="430887"/>
+          </a:xfrm>
+          <a:prstGeom prst="rect">
+            <a:avLst/>
+          </a:prstGeom>
+          <a:noFill/>
+        </p:spPr>
+        <p:txBody>
+          <a:bodyPr wrap="none" rtlCol="0">
+            <a:spAutoFit/>
+          </a:bodyPr>
+          <a:lstStyle/>
+          <a:p>
+            <a:r>
+              <a:rPr lang="en-US" sz="2200" dirty="0"/>
+              <a:t>This flexibility could be very good or very bad….</a:t>
+            </a:r>
+          </a:p>
+        </p:txBody>
+      </p:sp>
+      <p:sp>
+        <p:nvSpPr>
+          <p:cNvPr id="9" name="Oval 8"/>
+          <p:cNvSpPr/>
+          <p:nvPr/>
+        </p:nvSpPr>
+        <p:spPr>
+          <a:xfrm>
+            <a:off x="5971655" y="1307950"/>
+            <a:ext cx="2258976" cy="2740354"/>
+          </a:xfrm>
+          <a:prstGeom prst="ellipse">
+            <a:avLst/>
+          </a:prstGeom>
+          <a:noFill/>
+          <a:ln w="63500">
+            <a:solidFill>
+              <a:srgbClr val="FF0000"/>
+            </a:solidFill>
+          </a:ln>
+        </p:spPr>
+        <p:style>
+          <a:lnRef idx="1">
+            <a:schemeClr val="accent1"/>
+          </a:lnRef>
+          <a:fillRef idx="3">
+            <a:schemeClr val="accent1"/>
+          </a:fillRef>
+          <a:effectRef idx="2">
+            <a:schemeClr val="accent1"/>
+          </a:effectRef>
+          <a:fontRef idx="minor">
+            <a:schemeClr val="lt1"/>
+          </a:fontRef>
+        </p:style>
+        <p:txBody>
+          <a:bodyPr rtlCol="0" anchor="ctr"/>
+          <a:lstStyle/>
+          <a:p>
+            <a:pPr algn="ctr"/>
+            <a:endParaRPr lang="en-US" dirty="0"/>
+          </a:p>
+        </p:txBody>
+      </p:sp>
+      <p:sp>
+        <p:nvSpPr>
+          <p:cNvPr id="10" name="TextBox 9"/>
+          <p:cNvSpPr txBox="1"/>
+          <p:nvPr/>
+        </p:nvSpPr>
+        <p:spPr>
+          <a:xfrm>
+            <a:off x="8401392" y="1153096"/>
+            <a:ext cx="617477" cy="369332"/>
+          </a:xfrm>
+          <a:prstGeom prst="rect">
+            <a:avLst/>
+          </a:prstGeom>
+          <a:noFill/>
+        </p:spPr>
+        <p:txBody>
+          <a:bodyPr wrap="none" rtlCol="0">
+            <a:spAutoFit/>
+          </a:bodyPr>
+          <a:lstStyle/>
+          <a:p>
+            <a:r>
+              <a:rPr lang="en-US" dirty="0"/>
+              <a:t>High</a:t>
+            </a:r>
+          </a:p>
+        </p:txBody>
+      </p:sp>
+      <p:sp>
+        <p:nvSpPr>
+          <p:cNvPr id="11" name="TextBox 10"/>
+          <p:cNvSpPr txBox="1"/>
+          <p:nvPr/>
+        </p:nvSpPr>
+        <p:spPr>
+          <a:xfrm>
+            <a:off x="8263595" y="5736101"/>
+            <a:ext cx="595035" cy="369332"/>
+          </a:xfrm>
+          <a:prstGeom prst="rect">
+            <a:avLst/>
+          </a:prstGeom>
+          <a:noFill/>
+        </p:spPr>
+        <p:txBody>
+          <a:bodyPr wrap="none" rtlCol="0">
+            <a:spAutoFit/>
+          </a:bodyPr>
+          <a:lstStyle/>
+          <a:p>
+            <a:r>
+              <a:rPr lang="en-US" dirty="0"/>
+              <a:t>Low</a:t>
+            </a:r>
+          </a:p>
+        </p:txBody>
+      </p:sp>
+      <p:sp>
+        <p:nvSpPr>
+          <p:cNvPr id="12" name="Oval 11"/>
+          <p:cNvSpPr/>
+          <p:nvPr/>
+        </p:nvSpPr>
+        <p:spPr>
+          <a:xfrm>
+            <a:off x="296430" y="3376038"/>
+            <a:ext cx="2258976" cy="2740354"/>
+          </a:xfrm>
+          <a:prstGeom prst="ellipse">
+            <a:avLst/>
+          </a:prstGeom>
+          <a:noFill/>
+          <a:ln w="63500">
+            <a:solidFill>
+              <a:srgbClr val="FF0000"/>
+            </a:solidFill>
+          </a:ln>
+        </p:spPr>
+        <p:style>
+          <a:lnRef idx="1">
+            <a:schemeClr val="accent1"/>
+          </a:lnRef>
+          <a:fillRef idx="3">
+            <a:schemeClr val="accent1"/>
+          </a:fillRef>
+          <a:effectRef idx="2">
+            <a:schemeClr val="accent1"/>
+          </a:effectRef>
+          <a:fontRef idx="minor">
+            <a:schemeClr val="lt1"/>
+          </a:fontRef>
+        </p:style>
+        <p:txBody>
+          <a:bodyPr rtlCol="0" anchor="ctr"/>
+          <a:lstStyle/>
+          <a:p>
+            <a:pPr algn="ctr"/>
+            <a:endParaRPr lang="en-US" dirty="0"/>
+          </a:p>
+        </p:txBody>
+      </p:sp>
+      <p:sp>
+        <p:nvSpPr>
+          <p:cNvPr id="3" name="TextBox 2"/>
+          <p:cNvSpPr txBox="1"/>
+          <p:nvPr/>
+        </p:nvSpPr>
+        <p:spPr>
+          <a:xfrm>
+            <a:off x="1449295" y="1794900"/>
+            <a:ext cx="2540000" cy="1292662"/>
+          </a:xfrm>
+          <a:prstGeom prst="rect">
+            <a:avLst/>
+          </a:prstGeom>
+          <a:solidFill>
+            <a:srgbClr val="7F7F7F"/>
+          </a:solidFill>
+          <a:ln w="38100" cmpd="sng">
+            <a:solidFill>
+              <a:srgbClr val="000000"/>
+            </a:solidFill>
+          </a:ln>
+        </p:spPr>
+        <p:txBody>
+          <a:bodyPr wrap="square" rtlCol="0">
+            <a:spAutoFit/>
+          </a:bodyPr>
+          <a:lstStyle/>
+          <a:p>
+            <a:pPr algn="ctr"/>
+            <a:r>
+              <a:rPr lang="en-US" sz="2600" dirty="0"/>
+              <a:t>Settings </a:t>
+            </a:r>
+          </a:p>
+          <a:p>
+            <a:pPr algn="ctr"/>
+            <a:r>
+              <a:rPr lang="en-US" sz="2600" dirty="0"/>
+              <a:t>affect predictions</a:t>
+            </a:r>
+          </a:p>
+        </p:txBody>
+      </p:sp>
+    </p:spTree>
+    <p:extLst>
+      <p:ext uri="{BB962C8B-B14F-4D97-AF65-F5344CB8AC3E}">
+        <p14:creationId xmlns:p14="http://schemas.microsoft.com/office/powerpoint/2010/main" val="21584785"/>
+      </p:ext>
+    </p:extLst>
+  </p:cSld>
+  <p:clrMapOvr>
+    <a:masterClrMapping/>
+  </p:clrMapOvr>
+  <p:timing>
+    <p:tnLst>
+      <p:par>
+        <p:cTn id="1" dur="indefinite" restart="never" nodeType="tmRoot"/>
+      </p:par>
+    </p:tnLst>
+  </p:timing>
+</p:sld>
+</file>
+
+<file path=ppt/slides/slide9.xml><?xml version="1.0" encoding="utf-8"?>
+<p:sld xmlns:a="http://schemas.openxmlformats.org/drawingml/2006/main" xmlns:r="http://schemas.openxmlformats.org/officeDocument/2006/relationships" xmlns:p="http://schemas.openxmlformats.org/presentationml/2006/main">
+  <p:cSld>
+    <p:spTree>
+      <p:nvGrpSpPr>
+        <p:cNvPr id="1" name=""/>
+        <p:cNvGrpSpPr/>
+        <p:nvPr/>
+      </p:nvGrpSpPr>
+      <p:grpSpPr>
+        <a:xfrm>
+          <a:off x="0" y="0"/>
+          <a:ext cx="0" cy="0"/>
+          <a:chOff x="0" y="0"/>
+          <a:chExt cx="0" cy="0"/>
+        </a:xfrm>
+      </p:grpSpPr>
+      <p:sp>
+        <p:nvSpPr>
+          <p:cNvPr id="2" name="Title 1"/>
+          <p:cNvSpPr>
+            <a:spLocks noGrp="1"/>
+          </p:cNvSpPr>
+          <p:nvPr>
+            <p:ph type="title"/>
+          </p:nvPr>
+        </p:nvSpPr>
+        <p:spPr/>
+        <p:txBody>
+          <a:bodyPr/>
+          <a:lstStyle/>
+          <a:p>
+            <a:r>
+              <a:rPr lang="en-US" dirty="0" smtClean="0"/>
+              <a:t>Case Study – </a:t>
+            </a:r>
+            <a:r>
+              <a:rPr lang="en-US" i="1" dirty="0" smtClean="0"/>
+              <a:t>Mustards</a:t>
+            </a:r>
+            <a:endParaRPr lang="en-US" dirty="0"/>
+          </a:p>
+        </p:txBody>
+      </p:sp>
+      <p:pic>
+        <p:nvPicPr>
+          <p:cNvPr id="11" name="Picture 10" descr="Alliaria_petiolata_-_garlic_mustard_-_desc-flowers_buds_seedpods.jpg"/>
+          <p:cNvPicPr>
+            <a:picLocks noChangeAspect="1"/>
+          </p:cNvPicPr>
+          <p:nvPr/>
+        </p:nvPicPr>
+        <p:blipFill>
+          <a:blip r:embed="rId3">
+            <a:extLst>
+              <a:ext uri="{28A0092B-C50C-407E-A947-70E740481C1C}">
+                <a14:useLocalDpi xmlns:a14="http://schemas.microsoft.com/office/drawing/2010/main" val="0"/>
+              </a:ext>
+            </a:extLst>
+          </a:blip>
+          <a:stretch>
+            <a:fillRect/>
+          </a:stretch>
+        </p:blipFill>
+        <p:spPr>
+          <a:xfrm>
+            <a:off x="3404932" y="3323455"/>
+            <a:ext cx="2588029" cy="2358204"/>
+          </a:xfrm>
+          <a:prstGeom prst="rect">
+            <a:avLst/>
+          </a:prstGeom>
+          <a:ln w="38100" cmpd="sng">
+            <a:solidFill>
+              <a:srgbClr val="595959"/>
+            </a:solidFill>
+          </a:ln>
+        </p:spPr>
+      </p:pic>
+      <p:pic>
+        <p:nvPicPr>
+          <p:cNvPr id="16" name="Picture 15" descr="usa_map.gif"/>
+          <p:cNvPicPr>
+            <a:picLocks noChangeAspect="1"/>
+          </p:cNvPicPr>
+          <p:nvPr/>
+        </p:nvPicPr>
+        <p:blipFill>
+          <a:blip r:embed="rId4">
+            <a:extLst>
+              <a:ext uri="{28A0092B-C50C-407E-A947-70E740481C1C}">
+                <a14:useLocalDpi xmlns:a14="http://schemas.microsoft.com/office/drawing/2010/main" val="0"/>
+              </a:ext>
+            </a:extLst>
+          </a:blip>
+          <a:stretch>
+            <a:fillRect/>
+          </a:stretch>
+        </p:blipFill>
+        <p:spPr>
+          <a:xfrm>
+            <a:off x="564392" y="2185287"/>
+            <a:ext cx="2089566" cy="1354328"/>
+          </a:xfrm>
+          <a:prstGeom prst="rect">
+            <a:avLst/>
+          </a:prstGeom>
+        </p:spPr>
+      </p:pic>
+      <p:sp>
+        <p:nvSpPr>
+          <p:cNvPr id="18" name="Rounded Rectangle 17"/>
+          <p:cNvSpPr/>
+          <p:nvPr/>
+        </p:nvSpPr>
+        <p:spPr>
+          <a:xfrm>
+            <a:off x="2358616" y="2185287"/>
+            <a:ext cx="295342" cy="530082"/>
+          </a:xfrm>
+          <a:prstGeom prst="roundRect">
+            <a:avLst/>
+          </a:prstGeom>
+          <a:noFill/>
+          <a:ln w="38100" cmpd="sng">
+            <a:solidFill>
+              <a:schemeClr val="tx1">
+                <a:lumMod val="85000"/>
+                <a:lumOff val="15000"/>
+              </a:schemeClr>
+            </a:solidFill>
+          </a:ln>
+        </p:spPr>
+        <p:style>
+          <a:lnRef idx="1">
+            <a:schemeClr val="accent1"/>
+          </a:lnRef>
+          <a:fillRef idx="3">
+            <a:schemeClr val="accent1"/>
+          </a:fillRef>
+          <a:effectRef idx="2">
+            <a:schemeClr val="accent1"/>
+          </a:effectRef>
+          <a:fontRef idx="minor">
+            <a:schemeClr val="lt1"/>
+          </a:fontRef>
+        </p:style>
+        <p:txBody>
+          <a:bodyPr rtlCol="0" anchor="ctr"/>
+          <a:lstStyle/>
+          <a:p>
+            <a:pPr algn="ctr"/>
+            <a:endParaRPr lang="en-US"/>
+          </a:p>
+        </p:txBody>
+      </p:sp>
+      <p:pic>
+        <p:nvPicPr>
+          <p:cNvPr id="19" name="Picture 18" descr="Screen Shot 2013-03-16 at 10.21.07 PM.png"/>
+          <p:cNvPicPr>
+            <a:picLocks noChangeAspect="1"/>
+          </p:cNvPicPr>
+          <p:nvPr/>
+        </p:nvPicPr>
+        <p:blipFill>
+          <a:blip r:embed="rId5">
+            <a:extLst>
+              <a:ext uri="{28A0092B-C50C-407E-A947-70E740481C1C}">
+                <a14:useLocalDpi xmlns:a14="http://schemas.microsoft.com/office/drawing/2010/main" val="0"/>
+              </a:ext>
+            </a:extLst>
+          </a:blip>
+          <a:stretch>
+            <a:fillRect/>
+          </a:stretch>
+        </p:blipFill>
+        <p:spPr>
+          <a:xfrm rot="5400000">
+            <a:off x="448003" y="3515868"/>
+            <a:ext cx="2137202" cy="2184696"/>
+          </a:xfrm>
+          <a:prstGeom prst="rect">
+            <a:avLst/>
+          </a:prstGeom>
+        </p:spPr>
+      </p:pic>
+      <p:sp>
+        <p:nvSpPr>
+          <p:cNvPr id="3" name="TextBox 2"/>
+          <p:cNvSpPr txBox="1"/>
+          <p:nvPr/>
+        </p:nvSpPr>
+        <p:spPr>
+          <a:xfrm>
+            <a:off x="3501025" y="1935685"/>
+            <a:ext cx="2373758" cy="1200328"/>
+          </a:xfrm>
+          <a:prstGeom prst="rect">
+            <a:avLst/>
+          </a:prstGeom>
+          <a:noFill/>
+        </p:spPr>
+        <p:txBody>
+          <a:bodyPr wrap="none" rtlCol="0">
+            <a:spAutoFit/>
+          </a:bodyPr>
+          <a:lstStyle/>
+          <a:p>
+            <a:pPr algn="ctr"/>
+            <a:r>
+              <a:rPr lang="en-US" sz="2400" b="1" dirty="0" smtClean="0"/>
+              <a:t>Invasive</a:t>
+            </a:r>
+          </a:p>
+          <a:p>
+            <a:pPr algn="ctr"/>
+            <a:r>
+              <a:rPr lang="en-US" sz="2400" dirty="0" smtClean="0"/>
+              <a:t>Garlic Mustard </a:t>
+            </a:r>
+          </a:p>
+          <a:p>
+            <a:pPr algn="ctr"/>
+            <a:r>
+              <a:rPr lang="en-US" sz="2400" i="1" dirty="0" err="1" smtClean="0"/>
+              <a:t>Alliaria</a:t>
+            </a:r>
+            <a:r>
+              <a:rPr lang="en-US" sz="2400" i="1" dirty="0" smtClean="0"/>
+              <a:t> </a:t>
+            </a:r>
+            <a:r>
+              <a:rPr lang="en-US" sz="2400" i="1" dirty="0" err="1" smtClean="0"/>
+              <a:t>petiolata</a:t>
+            </a:r>
+            <a:endParaRPr lang="en-US" sz="2400" dirty="0"/>
+          </a:p>
+        </p:txBody>
+      </p:sp>
+      <p:pic>
+        <p:nvPicPr>
+          <p:cNvPr id="6" name="Picture 5" descr="Tower_Mustard_in_Worcs_2_(c)_Tim_Wilkins_Plantlife_lo-res.jpg"/>
+          <p:cNvPicPr>
+            <a:picLocks noChangeAspect="1"/>
+          </p:cNvPicPr>
+          <p:nvPr/>
+        </p:nvPicPr>
+        <p:blipFill>
+          <a:blip r:embed="rId6" cstate="print">
+            <a:extLst>
+              <a:ext uri="{28A0092B-C50C-407E-A947-70E740481C1C}">
+                <a14:useLocalDpi xmlns:a14="http://schemas.microsoft.com/office/drawing/2010/main" val="0"/>
+              </a:ext>
+            </a:extLst>
+          </a:blip>
+          <a:stretch>
+            <a:fillRect/>
+          </a:stretch>
+        </p:blipFill>
+        <p:spPr>
+          <a:xfrm>
+            <a:off x="6729678" y="3285011"/>
+            <a:ext cx="1836700" cy="2451113"/>
+          </a:xfrm>
+          <a:prstGeom prst="rect">
+            <a:avLst/>
+          </a:prstGeom>
+          <a:ln w="28575" cmpd="sng">
+            <a:solidFill>
+              <a:schemeClr val="bg1">
+                <a:lumMod val="65000"/>
+              </a:schemeClr>
+            </a:solidFill>
+          </a:ln>
+        </p:spPr>
+      </p:pic>
+      <p:sp>
+        <p:nvSpPr>
+          <p:cNvPr id="9" name="TextBox 8"/>
+          <p:cNvSpPr txBox="1"/>
+          <p:nvPr/>
+        </p:nvSpPr>
+        <p:spPr>
+          <a:xfrm>
+            <a:off x="6483853" y="1979684"/>
+            <a:ext cx="2202947" cy="1200328"/>
+          </a:xfrm>
+          <a:prstGeom prst="rect">
+            <a:avLst/>
+          </a:prstGeom>
+          <a:noFill/>
+        </p:spPr>
+        <p:txBody>
+          <a:bodyPr wrap="none" rtlCol="0">
+            <a:spAutoFit/>
+          </a:bodyPr>
+          <a:lstStyle/>
+          <a:p>
+            <a:pPr algn="ctr"/>
+            <a:r>
+              <a:rPr lang="en-US" sz="2400" b="1" dirty="0" smtClean="0"/>
+              <a:t>Native</a:t>
+            </a:r>
+          </a:p>
+          <a:p>
+            <a:pPr algn="ctr"/>
+            <a:r>
+              <a:rPr lang="en-US" sz="2400" dirty="0" smtClean="0"/>
+              <a:t>Tower Mustard</a:t>
+            </a:r>
+          </a:p>
+          <a:p>
+            <a:pPr algn="ctr"/>
+            <a:r>
+              <a:rPr lang="en-US" sz="2400" dirty="0" smtClean="0"/>
+              <a:t> </a:t>
+            </a:r>
+            <a:r>
+              <a:rPr lang="en-US" sz="2400" i="1" dirty="0" err="1" smtClean="0"/>
+              <a:t>Arabis</a:t>
+            </a:r>
+            <a:r>
+              <a:rPr lang="en-US" sz="2400" i="1" dirty="0" smtClean="0"/>
+              <a:t> </a:t>
+            </a:r>
+            <a:r>
+              <a:rPr lang="en-US" sz="2400" i="1" dirty="0" err="1" smtClean="0"/>
+              <a:t>glabra</a:t>
+            </a:r>
+            <a:endParaRPr lang="en-US" sz="2400" i="1" dirty="0"/>
+          </a:p>
+        </p:txBody>
+      </p:sp>
+    </p:spTree>
+    <p:extLst>
+      <p:ext uri="{BB962C8B-B14F-4D97-AF65-F5344CB8AC3E}">
+        <p14:creationId xmlns:p14="http://schemas.microsoft.com/office/powerpoint/2010/main" val="1081794426"/>
+      </p:ext>
+    </p:extLst>
+  </p:cSld>
+  <p:clrMapOvr>
+    <a:masterClrMapping/>
+  </p:clrMapOvr>
+  <mc:AlternateContent xmlns:mc="http://schemas.openxmlformats.org/markup-compatibility/2006" xmlns:p14="http://schemas.microsoft.com/office/powerpoint/2010/main">
+    <mc:Choice Requires="p14">
+      <p:transition spd="slow" p14:dur="2000" advTm="13747"/>
+    </mc:Choice>
+    <mc:Fallback xmlns="">
+      <p:transition xmlns:p14="http://schemas.microsoft.com/office/powerpoint/2010/main" spd="slow" advTm="13747"/>
+    </mc:Fallback>
+  </mc:AlternateContent>
   <p:timing>
     <p:tnLst>
       <p:par>
